--- a/13주차-Java 프로그래밍.pptx
+++ b/13주차-Java 프로그래밍.pptx
@@ -5,7 +5,7 @@
     <p:sldMasterId id="2147483648" r:id="rId1"/>
   </p:sldMasterIdLst>
   <p:notesMasterIdLst>
-    <p:notesMasterId r:id="rId16"/>
+    <p:notesMasterId r:id="rId17"/>
   </p:notesMasterIdLst>
   <p:sldIdLst>
     <p:sldId id="265" r:id="rId2"/>
@@ -16,12 +16,13 @@
     <p:sldId id="285" r:id="rId7"/>
     <p:sldId id="286" r:id="rId8"/>
     <p:sldId id="287" r:id="rId9"/>
-    <p:sldId id="288" r:id="rId10"/>
-    <p:sldId id="289" r:id="rId11"/>
-    <p:sldId id="292" r:id="rId12"/>
-    <p:sldId id="291" r:id="rId13"/>
-    <p:sldId id="290" r:id="rId14"/>
-    <p:sldId id="282" r:id="rId15"/>
+    <p:sldId id="293" r:id="rId10"/>
+    <p:sldId id="288" r:id="rId11"/>
+    <p:sldId id="289" r:id="rId12"/>
+    <p:sldId id="292" r:id="rId13"/>
+    <p:sldId id="291" r:id="rId14"/>
+    <p:sldId id="290" r:id="rId15"/>
+    <p:sldId id="282" r:id="rId16"/>
   </p:sldIdLst>
   <p:sldSz cx="12192000" cy="6858000"/>
   <p:notesSz cx="6858000" cy="9144000"/>
@@ -1902,7 +1903,7 @@
                 <a:ea typeface="돋움" panose="020B0600000101010101" pitchFamily="50" charset="-127"/>
               </a:rPr>
               <a:pPr/>
-              <a:t>9</a:t>
+              <a:t>10</a:t>
             </a:fld>
             <a:endParaRPr lang="en-US" altLang="ko-KR" sz="1200">
               <a:latin typeface="Times New Roman" panose="02020603050405020304" pitchFamily="18" charset="0"/>
@@ -2151,7 +2152,7 @@
                 <a:ea typeface="돋움" panose="020B0600000101010101" pitchFamily="50" charset="-127"/>
               </a:rPr>
               <a:pPr/>
-              <a:t>10</a:t>
+              <a:t>11</a:t>
             </a:fld>
             <a:endParaRPr lang="en-US" altLang="ko-KR" sz="1200">
               <a:latin typeface="Times New Roman" panose="02020603050405020304" pitchFamily="18" charset="0"/>
@@ -2400,7 +2401,7 @@
                 <a:ea typeface="돋움" panose="020B0600000101010101" pitchFamily="50" charset="-127"/>
               </a:rPr>
               <a:pPr/>
-              <a:t>11</a:t>
+              <a:t>12</a:t>
             </a:fld>
             <a:endParaRPr lang="en-US" altLang="ko-KR" sz="1200">
               <a:latin typeface="Times New Roman" panose="02020603050405020304" pitchFamily="18" charset="0"/>
@@ -5900,10 +5901,1514 @@
   <p:clrMapOvr>
     <a:masterClrMapping/>
   </p:clrMapOvr>
+  <p:timing>
+    <p:tnLst>
+      <p:par>
+        <p:cTn id="1" dur="indefinite" restart="never" nodeType="tmRoot"/>
+      </p:par>
+    </p:tnLst>
+  </p:timing>
 </p:sld>
 </file>
 
 <file path=ppt/slides/slide10.xml><?xml version="1.0" encoding="utf-8"?>
+<p:sld xmlns:a="http://schemas.openxmlformats.org/drawingml/2006/main" xmlns:r="http://schemas.openxmlformats.org/officeDocument/2006/relationships" xmlns:p="http://schemas.openxmlformats.org/presentationml/2006/main">
+  <p:cSld>
+    <p:spTree>
+      <p:nvGrpSpPr>
+        <p:cNvPr id="1" name=""/>
+        <p:cNvGrpSpPr/>
+        <p:nvPr/>
+      </p:nvGrpSpPr>
+      <p:grpSpPr>
+        <a:xfrm>
+          <a:off x="0" y="0"/>
+          <a:ext cx="0" cy="0"/>
+          <a:chOff x="0" y="0"/>
+          <a:chExt cx="0" cy="0"/>
+        </a:xfrm>
+      </p:grpSpPr>
+      <p:sp>
+        <p:nvSpPr>
+          <p:cNvPr id="32769" name="AutoShape 17"/>
+          <p:cNvSpPr>
+            <a:spLocks noChangeArrowheads="1"/>
+          </p:cNvSpPr>
+          <p:nvPr/>
+        </p:nvSpPr>
+        <p:spPr bwMode="auto">
+          <a:xfrm>
+            <a:off x="2135189" y="2133601"/>
+            <a:ext cx="7705725" cy="3527425"/>
+          </a:xfrm>
+          <a:prstGeom prst="roundRect">
+            <a:avLst>
+              <a:gd name="adj" fmla="val 16667"/>
+            </a:avLst>
+          </a:prstGeom>
+          <a:solidFill>
+            <a:srgbClr val="FFFF99"/>
+          </a:solidFill>
+          <a:ln>
+            <a:noFill/>
+          </a:ln>
+          <a:extLst>
+            <a:ext uri="{91240B29-F687-4F45-9708-019B960494DF}">
+              <a14:hiddenLine xmlns:a14="http://schemas.microsoft.com/office/drawing/2010/main" w="9525">
+                <a:solidFill>
+                  <a:srgbClr val="000000"/>
+                </a:solidFill>
+                <a:round/>
+                <a:headEnd/>
+                <a:tailEnd/>
+              </a14:hiddenLine>
+            </a:ext>
+          </a:extLst>
+        </p:spPr>
+        <p:txBody>
+          <a:bodyPr wrap="none" anchor="ctr"/>
+          <a:lstStyle>
+            <a:lvl1pPr>
+              <a:defRPr kumimoji="1" sz="1600">
+                <a:solidFill>
+                  <a:schemeClr val="tx1"/>
+                </a:solidFill>
+                <a:latin typeface="HY울릉도M" panose="02030600000101010101" pitchFamily="18" charset="-127"/>
+                <a:ea typeface="HY울릉도M" panose="02030600000101010101" pitchFamily="18" charset="-127"/>
+              </a:defRPr>
+            </a:lvl1pPr>
+            <a:lvl2pPr marL="742950" indent="-285750">
+              <a:defRPr kumimoji="1" sz="1600">
+                <a:solidFill>
+                  <a:schemeClr val="tx1"/>
+                </a:solidFill>
+                <a:latin typeface="HY울릉도M" panose="02030600000101010101" pitchFamily="18" charset="-127"/>
+                <a:ea typeface="HY울릉도M" panose="02030600000101010101" pitchFamily="18" charset="-127"/>
+              </a:defRPr>
+            </a:lvl2pPr>
+            <a:lvl3pPr marL="1143000" indent="-228600">
+              <a:defRPr kumimoji="1" sz="1600">
+                <a:solidFill>
+                  <a:schemeClr val="tx1"/>
+                </a:solidFill>
+                <a:latin typeface="HY울릉도M" panose="02030600000101010101" pitchFamily="18" charset="-127"/>
+                <a:ea typeface="HY울릉도M" panose="02030600000101010101" pitchFamily="18" charset="-127"/>
+              </a:defRPr>
+            </a:lvl3pPr>
+            <a:lvl4pPr marL="1600200" indent="-228600">
+              <a:defRPr kumimoji="1" sz="1600">
+                <a:solidFill>
+                  <a:schemeClr val="tx1"/>
+                </a:solidFill>
+                <a:latin typeface="HY울릉도M" panose="02030600000101010101" pitchFamily="18" charset="-127"/>
+                <a:ea typeface="HY울릉도M" panose="02030600000101010101" pitchFamily="18" charset="-127"/>
+              </a:defRPr>
+            </a:lvl4pPr>
+            <a:lvl5pPr marL="2057400" indent="-228600">
+              <a:defRPr kumimoji="1" sz="1600">
+                <a:solidFill>
+                  <a:schemeClr val="tx1"/>
+                </a:solidFill>
+                <a:latin typeface="HY울릉도M" panose="02030600000101010101" pitchFamily="18" charset="-127"/>
+                <a:ea typeface="HY울릉도M" panose="02030600000101010101" pitchFamily="18" charset="-127"/>
+              </a:defRPr>
+            </a:lvl5pPr>
+            <a:lvl6pPr marL="2514600" indent="-228600" eaLnBrk="0" fontAlgn="base" hangingPunct="0">
+              <a:spcBef>
+                <a:spcPct val="0"/>
+              </a:spcBef>
+              <a:spcAft>
+                <a:spcPct val="0"/>
+              </a:spcAft>
+              <a:buFont typeface="Wingdings" panose="05000000000000000000" pitchFamily="2" charset="2"/>
+              <a:defRPr kumimoji="1" sz="1600">
+                <a:solidFill>
+                  <a:schemeClr val="tx1"/>
+                </a:solidFill>
+                <a:latin typeface="HY울릉도M" panose="02030600000101010101" pitchFamily="18" charset="-127"/>
+                <a:ea typeface="HY울릉도M" panose="02030600000101010101" pitchFamily="18" charset="-127"/>
+              </a:defRPr>
+            </a:lvl6pPr>
+            <a:lvl7pPr marL="2971800" indent="-228600" eaLnBrk="0" fontAlgn="base" hangingPunct="0">
+              <a:spcBef>
+                <a:spcPct val="0"/>
+              </a:spcBef>
+              <a:spcAft>
+                <a:spcPct val="0"/>
+              </a:spcAft>
+              <a:buFont typeface="Wingdings" panose="05000000000000000000" pitchFamily="2" charset="2"/>
+              <a:defRPr kumimoji="1" sz="1600">
+                <a:solidFill>
+                  <a:schemeClr val="tx1"/>
+                </a:solidFill>
+                <a:latin typeface="HY울릉도M" panose="02030600000101010101" pitchFamily="18" charset="-127"/>
+                <a:ea typeface="HY울릉도M" panose="02030600000101010101" pitchFamily="18" charset="-127"/>
+              </a:defRPr>
+            </a:lvl7pPr>
+            <a:lvl8pPr marL="3429000" indent="-228600" eaLnBrk="0" fontAlgn="base" hangingPunct="0">
+              <a:spcBef>
+                <a:spcPct val="0"/>
+              </a:spcBef>
+              <a:spcAft>
+                <a:spcPct val="0"/>
+              </a:spcAft>
+              <a:buFont typeface="Wingdings" panose="05000000000000000000" pitchFamily="2" charset="2"/>
+              <a:defRPr kumimoji="1" sz="1600">
+                <a:solidFill>
+                  <a:schemeClr val="tx1"/>
+                </a:solidFill>
+                <a:latin typeface="HY울릉도M" panose="02030600000101010101" pitchFamily="18" charset="-127"/>
+                <a:ea typeface="HY울릉도M" panose="02030600000101010101" pitchFamily="18" charset="-127"/>
+              </a:defRPr>
+            </a:lvl8pPr>
+            <a:lvl9pPr marL="3886200" indent="-228600" eaLnBrk="0" fontAlgn="base" hangingPunct="0">
+              <a:spcBef>
+                <a:spcPct val="0"/>
+              </a:spcBef>
+              <a:spcAft>
+                <a:spcPct val="0"/>
+              </a:spcAft>
+              <a:buFont typeface="Wingdings" panose="05000000000000000000" pitchFamily="2" charset="2"/>
+              <a:defRPr kumimoji="1" sz="1600">
+                <a:solidFill>
+                  <a:schemeClr val="tx1"/>
+                </a:solidFill>
+                <a:latin typeface="HY울릉도M" panose="02030600000101010101" pitchFamily="18" charset="-127"/>
+                <a:ea typeface="HY울릉도M" panose="02030600000101010101" pitchFamily="18" charset="-127"/>
+              </a:defRPr>
+            </a:lvl9pPr>
+          </a:lstStyle>
+          <a:p>
+            <a:endParaRPr lang="en-US" altLang="ko-KR"/>
+          </a:p>
+        </p:txBody>
+      </p:sp>
+      <p:sp>
+        <p:nvSpPr>
+          <p:cNvPr id="32770" name="Rectangle 2"/>
+          <p:cNvSpPr>
+            <a:spLocks noGrp="1" noChangeArrowheads="1"/>
+          </p:cNvSpPr>
+          <p:nvPr>
+            <p:ph type="title"/>
+          </p:nvPr>
+        </p:nvSpPr>
+        <p:spPr>
+          <a:xfrm>
+            <a:off x="1981200" y="277814"/>
+            <a:ext cx="8229600" cy="630237"/>
+          </a:xfrm>
+          <a:noFill/>
+        </p:spPr>
+        <p:txBody>
+          <a:bodyPr/>
+          <a:lstStyle/>
+          <a:p>
+            <a:pPr eaLnBrk="1" hangingPunct="1"/>
+            <a:r>
+              <a:rPr lang="ko-KR" altLang="en-US" sz="3200" b="1">
+                <a:solidFill>
+                  <a:srgbClr val="663300"/>
+                </a:solidFill>
+                <a:latin typeface="HY울릉도M" panose="02030600000101010101" pitchFamily="18" charset="-127"/>
+                <a:ea typeface="HY울릉도M" panose="02030600000101010101" pitchFamily="18" charset="-127"/>
+              </a:rPr>
+              <a:t>예외의</a:t>
+            </a:r>
+            <a:r>
+              <a:rPr lang="en-US" altLang="ko-KR" sz="3200" b="1">
+                <a:solidFill>
+                  <a:srgbClr val="663300"/>
+                </a:solidFill>
+                <a:latin typeface="HY울릉도M" panose="02030600000101010101" pitchFamily="18" charset="-127"/>
+                <a:ea typeface="HY울릉도M" panose="02030600000101010101" pitchFamily="18" charset="-127"/>
+              </a:rPr>
+              <a:t> </a:t>
+            </a:r>
+            <a:r>
+              <a:rPr lang="ko-KR" altLang="en-US" sz="3200" b="1">
+                <a:solidFill>
+                  <a:srgbClr val="663300"/>
+                </a:solidFill>
+                <a:latin typeface="HY울릉도M" panose="02030600000101010101" pitchFamily="18" charset="-127"/>
+                <a:ea typeface="HY울릉도M" panose="02030600000101010101" pitchFamily="18" charset="-127"/>
+              </a:rPr>
+              <a:t>전파속성</a:t>
+            </a:r>
+            <a:endParaRPr lang="en-US" altLang="ko-KR" sz="3200" b="1">
+              <a:solidFill>
+                <a:srgbClr val="663300"/>
+              </a:solidFill>
+              <a:latin typeface="HY울릉도M" panose="02030600000101010101" pitchFamily="18" charset="-127"/>
+              <a:ea typeface="HY울릉도M" panose="02030600000101010101" pitchFamily="18" charset="-127"/>
+            </a:endParaRPr>
+          </a:p>
+        </p:txBody>
+      </p:sp>
+      <p:sp>
+        <p:nvSpPr>
+          <p:cNvPr id="32771" name="Rectangle 5"/>
+          <p:cNvSpPr>
+            <a:spLocks noChangeArrowheads="1"/>
+          </p:cNvSpPr>
+          <p:nvPr/>
+        </p:nvSpPr>
+        <p:spPr bwMode="auto">
+          <a:xfrm>
+            <a:off x="2566988" y="2060576"/>
+            <a:ext cx="6481762" cy="3108325"/>
+          </a:xfrm>
+          <a:prstGeom prst="rect">
+            <a:avLst/>
+          </a:prstGeom>
+          <a:noFill/>
+          <a:ln>
+            <a:noFill/>
+          </a:ln>
+          <a:extLst>
+            <a:ext uri="{909E8E84-426E-40DD-AFC4-6F175D3DCCD1}">
+              <a14:hiddenFill xmlns:a14="http://schemas.microsoft.com/office/drawing/2010/main">
+                <a:solidFill>
+                  <a:srgbClr val="FFFFFF"/>
+                </a:solidFill>
+              </a14:hiddenFill>
+            </a:ext>
+            <a:ext uri="{91240B29-F687-4F45-9708-019B960494DF}">
+              <a14:hiddenLine xmlns:a14="http://schemas.microsoft.com/office/drawing/2010/main" w="9525">
+                <a:solidFill>
+                  <a:srgbClr val="000000"/>
+                </a:solidFill>
+                <a:miter lim="800000"/>
+                <a:headEnd/>
+                <a:tailEnd/>
+              </a14:hiddenLine>
+            </a:ext>
+          </a:extLst>
+        </p:spPr>
+        <p:txBody>
+          <a:bodyPr>
+            <a:spAutoFit/>
+          </a:bodyPr>
+          <a:lstStyle>
+            <a:lvl1pPr>
+              <a:defRPr kumimoji="1" sz="1600">
+                <a:solidFill>
+                  <a:schemeClr val="tx1"/>
+                </a:solidFill>
+                <a:latin typeface="HY울릉도M" panose="02030600000101010101" pitchFamily="18" charset="-127"/>
+                <a:ea typeface="HY울릉도M" panose="02030600000101010101" pitchFamily="18" charset="-127"/>
+              </a:defRPr>
+            </a:lvl1pPr>
+            <a:lvl2pPr marL="742950" indent="-285750">
+              <a:defRPr kumimoji="1" sz="1600">
+                <a:solidFill>
+                  <a:schemeClr val="tx1"/>
+                </a:solidFill>
+                <a:latin typeface="HY울릉도M" panose="02030600000101010101" pitchFamily="18" charset="-127"/>
+                <a:ea typeface="HY울릉도M" panose="02030600000101010101" pitchFamily="18" charset="-127"/>
+              </a:defRPr>
+            </a:lvl2pPr>
+            <a:lvl3pPr marL="1143000" indent="-228600">
+              <a:defRPr kumimoji="1" sz="1600">
+                <a:solidFill>
+                  <a:schemeClr val="tx1"/>
+                </a:solidFill>
+                <a:latin typeface="HY울릉도M" panose="02030600000101010101" pitchFamily="18" charset="-127"/>
+                <a:ea typeface="HY울릉도M" panose="02030600000101010101" pitchFamily="18" charset="-127"/>
+              </a:defRPr>
+            </a:lvl3pPr>
+            <a:lvl4pPr marL="1600200" indent="-228600">
+              <a:defRPr kumimoji="1" sz="1600">
+                <a:solidFill>
+                  <a:schemeClr val="tx1"/>
+                </a:solidFill>
+                <a:latin typeface="HY울릉도M" panose="02030600000101010101" pitchFamily="18" charset="-127"/>
+                <a:ea typeface="HY울릉도M" panose="02030600000101010101" pitchFamily="18" charset="-127"/>
+              </a:defRPr>
+            </a:lvl4pPr>
+            <a:lvl5pPr marL="2057400" indent="-228600">
+              <a:defRPr kumimoji="1" sz="1600">
+                <a:solidFill>
+                  <a:schemeClr val="tx1"/>
+                </a:solidFill>
+                <a:latin typeface="HY울릉도M" panose="02030600000101010101" pitchFamily="18" charset="-127"/>
+                <a:ea typeface="HY울릉도M" panose="02030600000101010101" pitchFamily="18" charset="-127"/>
+              </a:defRPr>
+            </a:lvl5pPr>
+            <a:lvl6pPr marL="2514600" indent="-228600" eaLnBrk="0" fontAlgn="base" hangingPunct="0">
+              <a:spcBef>
+                <a:spcPct val="0"/>
+              </a:spcBef>
+              <a:spcAft>
+                <a:spcPct val="0"/>
+              </a:spcAft>
+              <a:buFont typeface="Wingdings" panose="05000000000000000000" pitchFamily="2" charset="2"/>
+              <a:defRPr kumimoji="1" sz="1600">
+                <a:solidFill>
+                  <a:schemeClr val="tx1"/>
+                </a:solidFill>
+                <a:latin typeface="HY울릉도M" panose="02030600000101010101" pitchFamily="18" charset="-127"/>
+                <a:ea typeface="HY울릉도M" panose="02030600000101010101" pitchFamily="18" charset="-127"/>
+              </a:defRPr>
+            </a:lvl6pPr>
+            <a:lvl7pPr marL="2971800" indent="-228600" eaLnBrk="0" fontAlgn="base" hangingPunct="0">
+              <a:spcBef>
+                <a:spcPct val="0"/>
+              </a:spcBef>
+              <a:spcAft>
+                <a:spcPct val="0"/>
+              </a:spcAft>
+              <a:buFont typeface="Wingdings" panose="05000000000000000000" pitchFamily="2" charset="2"/>
+              <a:defRPr kumimoji="1" sz="1600">
+                <a:solidFill>
+                  <a:schemeClr val="tx1"/>
+                </a:solidFill>
+                <a:latin typeface="HY울릉도M" panose="02030600000101010101" pitchFamily="18" charset="-127"/>
+                <a:ea typeface="HY울릉도M" panose="02030600000101010101" pitchFamily="18" charset="-127"/>
+              </a:defRPr>
+            </a:lvl7pPr>
+            <a:lvl8pPr marL="3429000" indent="-228600" eaLnBrk="0" fontAlgn="base" hangingPunct="0">
+              <a:spcBef>
+                <a:spcPct val="0"/>
+              </a:spcBef>
+              <a:spcAft>
+                <a:spcPct val="0"/>
+              </a:spcAft>
+              <a:buFont typeface="Wingdings" panose="05000000000000000000" pitchFamily="2" charset="2"/>
+              <a:defRPr kumimoji="1" sz="1600">
+                <a:solidFill>
+                  <a:schemeClr val="tx1"/>
+                </a:solidFill>
+                <a:latin typeface="HY울릉도M" panose="02030600000101010101" pitchFamily="18" charset="-127"/>
+                <a:ea typeface="HY울릉도M" panose="02030600000101010101" pitchFamily="18" charset="-127"/>
+              </a:defRPr>
+            </a:lvl8pPr>
+            <a:lvl9pPr marL="3886200" indent="-228600" eaLnBrk="0" fontAlgn="base" hangingPunct="0">
+              <a:spcBef>
+                <a:spcPct val="0"/>
+              </a:spcBef>
+              <a:spcAft>
+                <a:spcPct val="0"/>
+              </a:spcAft>
+              <a:buFont typeface="Wingdings" panose="05000000000000000000" pitchFamily="2" charset="2"/>
+              <a:defRPr kumimoji="1" sz="1600">
+                <a:solidFill>
+                  <a:schemeClr val="tx1"/>
+                </a:solidFill>
+                <a:latin typeface="HY울릉도M" panose="02030600000101010101" pitchFamily="18" charset="-127"/>
+                <a:ea typeface="HY울릉도M" panose="02030600000101010101" pitchFamily="18" charset="-127"/>
+              </a:defRPr>
+            </a:lvl9pPr>
+          </a:lstStyle>
+          <a:p>
+            <a:r>
+              <a:rPr lang="en-US" altLang="ko-KR" sz="1400"/>
+              <a:t>class Exception4</a:t>
+            </a:r>
+          </a:p>
+          <a:p>
+            <a:r>
+              <a:rPr lang="en-US" altLang="ko-KR" sz="1400"/>
+              <a:t>{</a:t>
+            </a:r>
+          </a:p>
+          <a:p>
+            <a:r>
+              <a:rPr lang="en-US" altLang="ko-KR" sz="1400"/>
+              <a:t>   public static void main(String args[]) {</a:t>
+            </a:r>
+          </a:p>
+          <a:p>
+            <a:r>
+              <a:rPr lang="en-US" altLang="ko-KR" sz="1400"/>
+              <a:t>	  </a:t>
+            </a:r>
+            <a:r>
+              <a:rPr lang="en-US" altLang="ko-KR" sz="1400">
+                <a:solidFill>
+                  <a:srgbClr val="CC3300"/>
+                </a:solidFill>
+              </a:rPr>
+              <a:t>method1();</a:t>
+            </a:r>
+          </a:p>
+          <a:p>
+            <a:r>
+              <a:rPr lang="en-US" altLang="ko-KR" sz="1400"/>
+              <a:t>   }</a:t>
+            </a:r>
+          </a:p>
+          <a:p>
+            <a:r>
+              <a:rPr lang="en-US" altLang="ko-KR" sz="1400"/>
+              <a:t>   static void method1() {</a:t>
+            </a:r>
+          </a:p>
+          <a:p>
+            <a:r>
+              <a:rPr lang="en-US" altLang="ko-KR" sz="1400"/>
+              <a:t>	  </a:t>
+            </a:r>
+            <a:r>
+              <a:rPr lang="en-US" altLang="ko-KR" sz="1400">
+                <a:solidFill>
+                  <a:srgbClr val="CC3300"/>
+                </a:solidFill>
+              </a:rPr>
+              <a:t>method2();      // (2) </a:t>
+            </a:r>
+            <a:r>
+              <a:rPr lang="ko-KR" altLang="en-US" sz="1400">
+                <a:solidFill>
+                  <a:srgbClr val="CC3300"/>
+                </a:solidFill>
+              </a:rPr>
+              <a:t>오류</a:t>
+            </a:r>
+            <a:r>
+              <a:rPr lang="en-US" altLang="ko-KR" sz="1400">
+                <a:solidFill>
+                  <a:srgbClr val="CC3300"/>
+                </a:solidFill>
+              </a:rPr>
+              <a:t> </a:t>
+            </a:r>
+            <a:r>
+              <a:rPr lang="ko-KR" altLang="en-US" sz="1400">
+                <a:solidFill>
+                  <a:srgbClr val="CC3300"/>
+                </a:solidFill>
+              </a:rPr>
+              <a:t>전파</a:t>
+            </a:r>
+            <a:r>
+              <a:rPr lang="en-US" altLang="ko-KR" sz="1400">
+                <a:solidFill>
+                  <a:srgbClr val="CC3300"/>
+                </a:solidFill>
+              </a:rPr>
+              <a:t> : main()</a:t>
+            </a:r>
+            <a:r>
+              <a:rPr lang="ko-KR" altLang="en-US" sz="1400">
+                <a:solidFill>
+                  <a:srgbClr val="CC3300"/>
+                </a:solidFill>
+              </a:rPr>
+              <a:t>으로</a:t>
+            </a:r>
+            <a:r>
+              <a:rPr lang="en-US" altLang="ko-KR" sz="1400">
+                <a:solidFill>
+                  <a:srgbClr val="CC3300"/>
+                </a:solidFill>
+              </a:rPr>
+              <a:t> </a:t>
+            </a:r>
+            <a:r>
+              <a:rPr lang="ko-KR" altLang="en-US" sz="1400">
+                <a:solidFill>
+                  <a:srgbClr val="CC3300"/>
+                </a:solidFill>
+              </a:rPr>
+              <a:t>전파</a:t>
+            </a:r>
+            <a:endParaRPr lang="en-US" altLang="ko-KR" sz="1400">
+              <a:solidFill>
+                <a:srgbClr val="CC3300"/>
+              </a:solidFill>
+            </a:endParaRPr>
+          </a:p>
+          <a:p>
+            <a:r>
+              <a:rPr lang="en-US" altLang="ko-KR" sz="1400"/>
+              <a:t>   }</a:t>
+            </a:r>
+          </a:p>
+          <a:p>
+            <a:r>
+              <a:rPr lang="en-US" altLang="ko-KR" sz="1400"/>
+              <a:t>   static void method2(){</a:t>
+            </a:r>
+          </a:p>
+          <a:p>
+            <a:r>
+              <a:rPr lang="en-US" altLang="ko-KR" sz="1400"/>
+              <a:t>	  int i = 5; int j = 0;</a:t>
+            </a:r>
+          </a:p>
+          <a:p>
+            <a:r>
+              <a:rPr lang="en-US" altLang="ko-KR" sz="1400"/>
+              <a:t>	  </a:t>
+            </a:r>
+            <a:r>
+              <a:rPr lang="en-US" altLang="ko-KR" sz="1400">
+                <a:solidFill>
+                  <a:srgbClr val="CC3300"/>
+                </a:solidFill>
+              </a:rPr>
+              <a:t>int k = i / j;     // (1) </a:t>
+            </a:r>
+            <a:r>
+              <a:rPr lang="ko-KR" altLang="en-US" sz="1400">
+                <a:solidFill>
+                  <a:srgbClr val="CC3300"/>
+                </a:solidFill>
+              </a:rPr>
+              <a:t>오류발생</a:t>
+            </a:r>
+            <a:r>
+              <a:rPr lang="en-US" altLang="ko-KR" sz="1400">
+                <a:solidFill>
+                  <a:srgbClr val="CC3300"/>
+                </a:solidFill>
+              </a:rPr>
+              <a:t> : method1()</a:t>
+            </a:r>
+            <a:r>
+              <a:rPr lang="ko-KR" altLang="en-US" sz="1400">
+                <a:solidFill>
+                  <a:srgbClr val="CC3300"/>
+                </a:solidFill>
+              </a:rPr>
+              <a:t>으로</a:t>
+            </a:r>
+            <a:r>
+              <a:rPr lang="en-US" altLang="ko-KR" sz="1400">
+                <a:solidFill>
+                  <a:srgbClr val="CC3300"/>
+                </a:solidFill>
+              </a:rPr>
+              <a:t> </a:t>
+            </a:r>
+            <a:r>
+              <a:rPr lang="ko-KR" altLang="en-US" sz="1400">
+                <a:solidFill>
+                  <a:srgbClr val="CC3300"/>
+                </a:solidFill>
+              </a:rPr>
+              <a:t>전파</a:t>
+            </a:r>
+            <a:endParaRPr lang="en-US" altLang="ko-KR" sz="1400">
+              <a:solidFill>
+                <a:srgbClr val="CC3300"/>
+              </a:solidFill>
+            </a:endParaRPr>
+          </a:p>
+          <a:p>
+            <a:r>
+              <a:rPr lang="en-US" altLang="ko-KR" sz="1400"/>
+              <a:t>	  System.out.println("k = " + k);</a:t>
+            </a:r>
+          </a:p>
+          <a:p>
+            <a:r>
+              <a:rPr lang="en-US" altLang="ko-KR" sz="1400"/>
+              <a:t>   }</a:t>
+            </a:r>
+          </a:p>
+          <a:p>
+            <a:r>
+              <a:rPr lang="en-US" altLang="ko-KR" sz="1400"/>
+              <a:t>}</a:t>
+            </a:r>
+          </a:p>
+        </p:txBody>
+      </p:sp>
+      <p:sp>
+        <p:nvSpPr>
+          <p:cNvPr id="32772" name="Rectangle 6"/>
+          <p:cNvSpPr>
+            <a:spLocks noChangeArrowheads="1"/>
+          </p:cNvSpPr>
+          <p:nvPr/>
+        </p:nvSpPr>
+        <p:spPr bwMode="auto">
+          <a:xfrm>
+            <a:off x="4511676" y="5589589"/>
+            <a:ext cx="5510213" cy="1069975"/>
+          </a:xfrm>
+          <a:prstGeom prst="rect">
+            <a:avLst/>
+          </a:prstGeom>
+          <a:noFill/>
+          <a:ln>
+            <a:noFill/>
+          </a:ln>
+          <a:extLst>
+            <a:ext uri="{909E8E84-426E-40DD-AFC4-6F175D3DCCD1}">
+              <a14:hiddenFill xmlns:a14="http://schemas.microsoft.com/office/drawing/2010/main">
+                <a:solidFill>
+                  <a:srgbClr val="FFFFFF"/>
+                </a:solidFill>
+              </a14:hiddenFill>
+            </a:ext>
+            <a:ext uri="{91240B29-F687-4F45-9708-019B960494DF}">
+              <a14:hiddenLine xmlns:a14="http://schemas.microsoft.com/office/drawing/2010/main" w="9525">
+                <a:solidFill>
+                  <a:srgbClr val="000000"/>
+                </a:solidFill>
+                <a:miter lim="800000"/>
+                <a:headEnd/>
+                <a:tailEnd/>
+              </a14:hiddenLine>
+            </a:ext>
+          </a:extLst>
+        </p:spPr>
+        <p:txBody>
+          <a:bodyPr>
+            <a:spAutoFit/>
+          </a:bodyPr>
+          <a:lstStyle>
+            <a:lvl1pPr>
+              <a:defRPr kumimoji="1" sz="1600">
+                <a:solidFill>
+                  <a:schemeClr val="tx1"/>
+                </a:solidFill>
+                <a:latin typeface="HY울릉도M" panose="02030600000101010101" pitchFamily="18" charset="-127"/>
+                <a:ea typeface="HY울릉도M" panose="02030600000101010101" pitchFamily="18" charset="-127"/>
+              </a:defRPr>
+            </a:lvl1pPr>
+            <a:lvl2pPr marL="742950" indent="-285750">
+              <a:defRPr kumimoji="1" sz="1600">
+                <a:solidFill>
+                  <a:schemeClr val="tx1"/>
+                </a:solidFill>
+                <a:latin typeface="HY울릉도M" panose="02030600000101010101" pitchFamily="18" charset="-127"/>
+                <a:ea typeface="HY울릉도M" panose="02030600000101010101" pitchFamily="18" charset="-127"/>
+              </a:defRPr>
+            </a:lvl2pPr>
+            <a:lvl3pPr marL="1143000" indent="-228600">
+              <a:defRPr kumimoji="1" sz="1600">
+                <a:solidFill>
+                  <a:schemeClr val="tx1"/>
+                </a:solidFill>
+                <a:latin typeface="HY울릉도M" panose="02030600000101010101" pitchFamily="18" charset="-127"/>
+                <a:ea typeface="HY울릉도M" panose="02030600000101010101" pitchFamily="18" charset="-127"/>
+              </a:defRPr>
+            </a:lvl3pPr>
+            <a:lvl4pPr marL="1600200" indent="-228600">
+              <a:defRPr kumimoji="1" sz="1600">
+                <a:solidFill>
+                  <a:schemeClr val="tx1"/>
+                </a:solidFill>
+                <a:latin typeface="HY울릉도M" panose="02030600000101010101" pitchFamily="18" charset="-127"/>
+                <a:ea typeface="HY울릉도M" panose="02030600000101010101" pitchFamily="18" charset="-127"/>
+              </a:defRPr>
+            </a:lvl4pPr>
+            <a:lvl5pPr marL="2057400" indent="-228600">
+              <a:defRPr kumimoji="1" sz="1600">
+                <a:solidFill>
+                  <a:schemeClr val="tx1"/>
+                </a:solidFill>
+                <a:latin typeface="HY울릉도M" panose="02030600000101010101" pitchFamily="18" charset="-127"/>
+                <a:ea typeface="HY울릉도M" panose="02030600000101010101" pitchFamily="18" charset="-127"/>
+              </a:defRPr>
+            </a:lvl5pPr>
+            <a:lvl6pPr marL="2514600" indent="-228600" eaLnBrk="0" fontAlgn="base" hangingPunct="0">
+              <a:spcBef>
+                <a:spcPct val="0"/>
+              </a:spcBef>
+              <a:spcAft>
+                <a:spcPct val="0"/>
+              </a:spcAft>
+              <a:buFont typeface="Wingdings" panose="05000000000000000000" pitchFamily="2" charset="2"/>
+              <a:defRPr kumimoji="1" sz="1600">
+                <a:solidFill>
+                  <a:schemeClr val="tx1"/>
+                </a:solidFill>
+                <a:latin typeface="HY울릉도M" panose="02030600000101010101" pitchFamily="18" charset="-127"/>
+                <a:ea typeface="HY울릉도M" panose="02030600000101010101" pitchFamily="18" charset="-127"/>
+              </a:defRPr>
+            </a:lvl6pPr>
+            <a:lvl7pPr marL="2971800" indent="-228600" eaLnBrk="0" fontAlgn="base" hangingPunct="0">
+              <a:spcBef>
+                <a:spcPct val="0"/>
+              </a:spcBef>
+              <a:spcAft>
+                <a:spcPct val="0"/>
+              </a:spcAft>
+              <a:buFont typeface="Wingdings" panose="05000000000000000000" pitchFamily="2" charset="2"/>
+              <a:defRPr kumimoji="1" sz="1600">
+                <a:solidFill>
+                  <a:schemeClr val="tx1"/>
+                </a:solidFill>
+                <a:latin typeface="HY울릉도M" panose="02030600000101010101" pitchFamily="18" charset="-127"/>
+                <a:ea typeface="HY울릉도M" panose="02030600000101010101" pitchFamily="18" charset="-127"/>
+              </a:defRPr>
+            </a:lvl7pPr>
+            <a:lvl8pPr marL="3429000" indent="-228600" eaLnBrk="0" fontAlgn="base" hangingPunct="0">
+              <a:spcBef>
+                <a:spcPct val="0"/>
+              </a:spcBef>
+              <a:spcAft>
+                <a:spcPct val="0"/>
+              </a:spcAft>
+              <a:buFont typeface="Wingdings" panose="05000000000000000000" pitchFamily="2" charset="2"/>
+              <a:defRPr kumimoji="1" sz="1600">
+                <a:solidFill>
+                  <a:schemeClr val="tx1"/>
+                </a:solidFill>
+                <a:latin typeface="HY울릉도M" panose="02030600000101010101" pitchFamily="18" charset="-127"/>
+                <a:ea typeface="HY울릉도M" panose="02030600000101010101" pitchFamily="18" charset="-127"/>
+              </a:defRPr>
+            </a:lvl8pPr>
+            <a:lvl9pPr marL="3886200" indent="-228600" eaLnBrk="0" fontAlgn="base" hangingPunct="0">
+              <a:spcBef>
+                <a:spcPct val="0"/>
+              </a:spcBef>
+              <a:spcAft>
+                <a:spcPct val="0"/>
+              </a:spcAft>
+              <a:buFont typeface="Wingdings" panose="05000000000000000000" pitchFamily="2" charset="2"/>
+              <a:defRPr kumimoji="1" sz="1600">
+                <a:solidFill>
+                  <a:schemeClr val="tx1"/>
+                </a:solidFill>
+                <a:latin typeface="HY울릉도M" panose="02030600000101010101" pitchFamily="18" charset="-127"/>
+                <a:ea typeface="HY울릉도M" panose="02030600000101010101" pitchFamily="18" charset="-127"/>
+              </a:defRPr>
+            </a:lvl9pPr>
+          </a:lstStyle>
+          <a:p>
+            <a:r>
+              <a:rPr lang="en-US" altLang="ko-KR"/>
+              <a:t>Java.lang.ArithematicException : / by zero</a:t>
+            </a:r>
+          </a:p>
+          <a:p>
+            <a:r>
+              <a:rPr lang="en-US" altLang="ko-KR"/>
+              <a:t>At Exception4.method2 Exception4.java.11&gt;</a:t>
+            </a:r>
+          </a:p>
+          <a:p>
+            <a:r>
+              <a:rPr lang="en-US" altLang="ko-KR"/>
+              <a:t>At Exception4.method1 Exception4.java.7&gt;</a:t>
+            </a:r>
+          </a:p>
+          <a:p>
+            <a:r>
+              <a:rPr lang="en-US" altLang="ko-KR"/>
+              <a:t>At Exception4.main Exception4.java.4&gt;</a:t>
+            </a:r>
+          </a:p>
+        </p:txBody>
+      </p:sp>
+      <p:sp>
+        <p:nvSpPr>
+          <p:cNvPr id="32773" name="Rectangle 9"/>
+          <p:cNvSpPr>
+            <a:spLocks noChangeArrowheads="1"/>
+          </p:cNvSpPr>
+          <p:nvPr/>
+        </p:nvSpPr>
+        <p:spPr bwMode="auto">
+          <a:xfrm>
+            <a:off x="2295526" y="5667376"/>
+            <a:ext cx="1965325" cy="360363"/>
+          </a:xfrm>
+          <a:prstGeom prst="rect">
+            <a:avLst/>
+          </a:prstGeom>
+          <a:noFill/>
+          <a:ln>
+            <a:noFill/>
+          </a:ln>
+          <a:extLst>
+            <a:ext uri="{909E8E84-426E-40DD-AFC4-6F175D3DCCD1}">
+              <a14:hiddenFill xmlns:a14="http://schemas.microsoft.com/office/drawing/2010/main">
+                <a:solidFill>
+                  <a:srgbClr val="FFFFFF"/>
+                </a:solidFill>
+              </a14:hiddenFill>
+            </a:ext>
+            <a:ext uri="{91240B29-F687-4F45-9708-019B960494DF}">
+              <a14:hiddenLine xmlns:a14="http://schemas.microsoft.com/office/drawing/2010/main" w="9525">
+                <a:solidFill>
+                  <a:srgbClr val="000000"/>
+                </a:solidFill>
+                <a:miter lim="800000"/>
+                <a:headEnd/>
+                <a:tailEnd/>
+              </a14:hiddenLine>
+            </a:ext>
+          </a:extLst>
+        </p:spPr>
+        <p:txBody>
+          <a:bodyPr/>
+          <a:lstStyle>
+            <a:lvl1pPr marL="342900" indent="-342900">
+              <a:defRPr kumimoji="1" sz="1600">
+                <a:solidFill>
+                  <a:schemeClr val="tx1"/>
+                </a:solidFill>
+                <a:latin typeface="HY울릉도M" panose="02030600000101010101" pitchFamily="18" charset="-127"/>
+                <a:ea typeface="HY울릉도M" panose="02030600000101010101" pitchFamily="18" charset="-127"/>
+              </a:defRPr>
+            </a:lvl1pPr>
+            <a:lvl2pPr marL="742950" indent="-285750">
+              <a:defRPr kumimoji="1" sz="1600">
+                <a:solidFill>
+                  <a:schemeClr val="tx1"/>
+                </a:solidFill>
+                <a:latin typeface="HY울릉도M" panose="02030600000101010101" pitchFamily="18" charset="-127"/>
+                <a:ea typeface="HY울릉도M" panose="02030600000101010101" pitchFamily="18" charset="-127"/>
+              </a:defRPr>
+            </a:lvl2pPr>
+            <a:lvl3pPr marL="1143000" indent="-228600">
+              <a:defRPr kumimoji="1" sz="1600">
+                <a:solidFill>
+                  <a:schemeClr val="tx1"/>
+                </a:solidFill>
+                <a:latin typeface="HY울릉도M" panose="02030600000101010101" pitchFamily="18" charset="-127"/>
+                <a:ea typeface="HY울릉도M" panose="02030600000101010101" pitchFamily="18" charset="-127"/>
+              </a:defRPr>
+            </a:lvl3pPr>
+            <a:lvl4pPr marL="1600200" indent="-228600">
+              <a:defRPr kumimoji="1" sz="1600">
+                <a:solidFill>
+                  <a:schemeClr val="tx1"/>
+                </a:solidFill>
+                <a:latin typeface="HY울릉도M" panose="02030600000101010101" pitchFamily="18" charset="-127"/>
+                <a:ea typeface="HY울릉도M" panose="02030600000101010101" pitchFamily="18" charset="-127"/>
+              </a:defRPr>
+            </a:lvl4pPr>
+            <a:lvl5pPr marL="2057400" indent="-228600">
+              <a:defRPr kumimoji="1" sz="1600">
+                <a:solidFill>
+                  <a:schemeClr val="tx1"/>
+                </a:solidFill>
+                <a:latin typeface="HY울릉도M" panose="02030600000101010101" pitchFamily="18" charset="-127"/>
+                <a:ea typeface="HY울릉도M" panose="02030600000101010101" pitchFamily="18" charset="-127"/>
+              </a:defRPr>
+            </a:lvl5pPr>
+            <a:lvl6pPr marL="2514600" indent="-228600" eaLnBrk="0" fontAlgn="base" hangingPunct="0">
+              <a:spcBef>
+                <a:spcPct val="0"/>
+              </a:spcBef>
+              <a:spcAft>
+                <a:spcPct val="0"/>
+              </a:spcAft>
+              <a:buFont typeface="Wingdings" panose="05000000000000000000" pitchFamily="2" charset="2"/>
+              <a:defRPr kumimoji="1" sz="1600">
+                <a:solidFill>
+                  <a:schemeClr val="tx1"/>
+                </a:solidFill>
+                <a:latin typeface="HY울릉도M" panose="02030600000101010101" pitchFamily="18" charset="-127"/>
+                <a:ea typeface="HY울릉도M" panose="02030600000101010101" pitchFamily="18" charset="-127"/>
+              </a:defRPr>
+            </a:lvl6pPr>
+            <a:lvl7pPr marL="2971800" indent="-228600" eaLnBrk="0" fontAlgn="base" hangingPunct="0">
+              <a:spcBef>
+                <a:spcPct val="0"/>
+              </a:spcBef>
+              <a:spcAft>
+                <a:spcPct val="0"/>
+              </a:spcAft>
+              <a:buFont typeface="Wingdings" panose="05000000000000000000" pitchFamily="2" charset="2"/>
+              <a:defRPr kumimoji="1" sz="1600">
+                <a:solidFill>
+                  <a:schemeClr val="tx1"/>
+                </a:solidFill>
+                <a:latin typeface="HY울릉도M" panose="02030600000101010101" pitchFamily="18" charset="-127"/>
+                <a:ea typeface="HY울릉도M" panose="02030600000101010101" pitchFamily="18" charset="-127"/>
+              </a:defRPr>
+            </a:lvl7pPr>
+            <a:lvl8pPr marL="3429000" indent="-228600" eaLnBrk="0" fontAlgn="base" hangingPunct="0">
+              <a:spcBef>
+                <a:spcPct val="0"/>
+              </a:spcBef>
+              <a:spcAft>
+                <a:spcPct val="0"/>
+              </a:spcAft>
+              <a:buFont typeface="Wingdings" panose="05000000000000000000" pitchFamily="2" charset="2"/>
+              <a:defRPr kumimoji="1" sz="1600">
+                <a:solidFill>
+                  <a:schemeClr val="tx1"/>
+                </a:solidFill>
+                <a:latin typeface="HY울릉도M" panose="02030600000101010101" pitchFamily="18" charset="-127"/>
+                <a:ea typeface="HY울릉도M" panose="02030600000101010101" pitchFamily="18" charset="-127"/>
+              </a:defRPr>
+            </a:lvl8pPr>
+            <a:lvl9pPr marL="3886200" indent="-228600" eaLnBrk="0" fontAlgn="base" hangingPunct="0">
+              <a:spcBef>
+                <a:spcPct val="0"/>
+              </a:spcBef>
+              <a:spcAft>
+                <a:spcPct val="0"/>
+              </a:spcAft>
+              <a:buFont typeface="Wingdings" panose="05000000000000000000" pitchFamily="2" charset="2"/>
+              <a:defRPr kumimoji="1" sz="1600">
+                <a:solidFill>
+                  <a:schemeClr val="tx1"/>
+                </a:solidFill>
+                <a:latin typeface="HY울릉도M" panose="02030600000101010101" pitchFamily="18" charset="-127"/>
+                <a:ea typeface="HY울릉도M" panose="02030600000101010101" pitchFamily="18" charset="-127"/>
+              </a:defRPr>
+            </a:lvl9pPr>
+          </a:lstStyle>
+          <a:p>
+            <a:pPr eaLnBrk="1" latinLnBrk="1" hangingPunct="1">
+              <a:spcBef>
+                <a:spcPct val="20000"/>
+              </a:spcBef>
+              <a:buClr>
+                <a:schemeClr val="accent1"/>
+              </a:buClr>
+              <a:buSzPct val="65000"/>
+              <a:buFont typeface="Wingdings" panose="05000000000000000000" pitchFamily="2" charset="2"/>
+              <a:buChar char="n"/>
+            </a:pPr>
+            <a:r>
+              <a:rPr lang="ko-KR" altLang="en-US" sz="1800">
+                <a:solidFill>
+                  <a:srgbClr val="FF6600"/>
+                </a:solidFill>
+              </a:rPr>
+              <a:t>오류</a:t>
+            </a:r>
+            <a:r>
+              <a:rPr lang="en-US" altLang="ko-KR" sz="1800">
+                <a:solidFill>
+                  <a:srgbClr val="FF6600"/>
+                </a:solidFill>
+              </a:rPr>
+              <a:t> </a:t>
+            </a:r>
+            <a:r>
+              <a:rPr lang="ko-KR" altLang="en-US" sz="1800">
+                <a:solidFill>
+                  <a:srgbClr val="FF6600"/>
+                </a:solidFill>
+              </a:rPr>
+              <a:t>메시지</a:t>
+            </a:r>
+            <a:endParaRPr lang="en-US" altLang="ko-KR" sz="1800">
+              <a:solidFill>
+                <a:srgbClr val="FF6600"/>
+              </a:solidFill>
+            </a:endParaRPr>
+          </a:p>
+        </p:txBody>
+      </p:sp>
+      <p:sp>
+        <p:nvSpPr>
+          <p:cNvPr id="32774" name="Rectangle 15"/>
+          <p:cNvSpPr>
+            <a:spLocks noChangeArrowheads="1"/>
+          </p:cNvSpPr>
+          <p:nvPr/>
+        </p:nvSpPr>
+        <p:spPr bwMode="auto">
+          <a:xfrm>
+            <a:off x="2093914" y="958851"/>
+            <a:ext cx="7519987" cy="1565275"/>
+          </a:xfrm>
+          <a:prstGeom prst="rect">
+            <a:avLst/>
+          </a:prstGeom>
+          <a:noFill/>
+          <a:ln>
+            <a:noFill/>
+          </a:ln>
+          <a:extLst>
+            <a:ext uri="{909E8E84-426E-40DD-AFC4-6F175D3DCCD1}">
+              <a14:hiddenFill xmlns:a14="http://schemas.microsoft.com/office/drawing/2010/main">
+                <a:solidFill>
+                  <a:srgbClr val="FFFFFF"/>
+                </a:solidFill>
+              </a14:hiddenFill>
+            </a:ext>
+            <a:ext uri="{91240B29-F687-4F45-9708-019B960494DF}">
+              <a14:hiddenLine xmlns:a14="http://schemas.microsoft.com/office/drawing/2010/main" w="9525">
+                <a:solidFill>
+                  <a:srgbClr val="000000"/>
+                </a:solidFill>
+                <a:miter lim="800000"/>
+                <a:headEnd/>
+                <a:tailEnd/>
+              </a14:hiddenLine>
+            </a:ext>
+          </a:extLst>
+        </p:spPr>
+        <p:txBody>
+          <a:bodyPr/>
+          <a:lstStyle>
+            <a:lvl1pPr marL="342900" indent="-342900">
+              <a:defRPr kumimoji="1" sz="1600">
+                <a:solidFill>
+                  <a:schemeClr val="tx1"/>
+                </a:solidFill>
+                <a:latin typeface="HY울릉도M" panose="02030600000101010101" pitchFamily="18" charset="-127"/>
+                <a:ea typeface="HY울릉도M" panose="02030600000101010101" pitchFamily="18" charset="-127"/>
+              </a:defRPr>
+            </a:lvl1pPr>
+            <a:lvl2pPr marL="669925" indent="-325438">
+              <a:defRPr kumimoji="1" sz="1600">
+                <a:solidFill>
+                  <a:schemeClr val="tx1"/>
+                </a:solidFill>
+                <a:latin typeface="HY울릉도M" panose="02030600000101010101" pitchFamily="18" charset="-127"/>
+                <a:ea typeface="HY울릉도M" panose="02030600000101010101" pitchFamily="18" charset="-127"/>
+              </a:defRPr>
+            </a:lvl2pPr>
+            <a:lvl3pPr marL="1143000" indent="-228600">
+              <a:defRPr kumimoji="1" sz="1600">
+                <a:solidFill>
+                  <a:schemeClr val="tx1"/>
+                </a:solidFill>
+                <a:latin typeface="HY울릉도M" panose="02030600000101010101" pitchFamily="18" charset="-127"/>
+                <a:ea typeface="HY울릉도M" panose="02030600000101010101" pitchFamily="18" charset="-127"/>
+              </a:defRPr>
+            </a:lvl3pPr>
+            <a:lvl4pPr marL="1600200" indent="-228600">
+              <a:defRPr kumimoji="1" sz="1600">
+                <a:solidFill>
+                  <a:schemeClr val="tx1"/>
+                </a:solidFill>
+                <a:latin typeface="HY울릉도M" panose="02030600000101010101" pitchFamily="18" charset="-127"/>
+                <a:ea typeface="HY울릉도M" panose="02030600000101010101" pitchFamily="18" charset="-127"/>
+              </a:defRPr>
+            </a:lvl4pPr>
+            <a:lvl5pPr marL="2057400" indent="-228600">
+              <a:defRPr kumimoji="1" sz="1600">
+                <a:solidFill>
+                  <a:schemeClr val="tx1"/>
+                </a:solidFill>
+                <a:latin typeface="HY울릉도M" panose="02030600000101010101" pitchFamily="18" charset="-127"/>
+                <a:ea typeface="HY울릉도M" panose="02030600000101010101" pitchFamily="18" charset="-127"/>
+              </a:defRPr>
+            </a:lvl5pPr>
+            <a:lvl6pPr marL="2514600" indent="-228600" eaLnBrk="0" fontAlgn="base" hangingPunct="0">
+              <a:spcBef>
+                <a:spcPct val="0"/>
+              </a:spcBef>
+              <a:spcAft>
+                <a:spcPct val="0"/>
+              </a:spcAft>
+              <a:buFont typeface="Wingdings" panose="05000000000000000000" pitchFamily="2" charset="2"/>
+              <a:defRPr kumimoji="1" sz="1600">
+                <a:solidFill>
+                  <a:schemeClr val="tx1"/>
+                </a:solidFill>
+                <a:latin typeface="HY울릉도M" panose="02030600000101010101" pitchFamily="18" charset="-127"/>
+                <a:ea typeface="HY울릉도M" panose="02030600000101010101" pitchFamily="18" charset="-127"/>
+              </a:defRPr>
+            </a:lvl6pPr>
+            <a:lvl7pPr marL="2971800" indent="-228600" eaLnBrk="0" fontAlgn="base" hangingPunct="0">
+              <a:spcBef>
+                <a:spcPct val="0"/>
+              </a:spcBef>
+              <a:spcAft>
+                <a:spcPct val="0"/>
+              </a:spcAft>
+              <a:buFont typeface="Wingdings" panose="05000000000000000000" pitchFamily="2" charset="2"/>
+              <a:defRPr kumimoji="1" sz="1600">
+                <a:solidFill>
+                  <a:schemeClr val="tx1"/>
+                </a:solidFill>
+                <a:latin typeface="HY울릉도M" panose="02030600000101010101" pitchFamily="18" charset="-127"/>
+                <a:ea typeface="HY울릉도M" panose="02030600000101010101" pitchFamily="18" charset="-127"/>
+              </a:defRPr>
+            </a:lvl7pPr>
+            <a:lvl8pPr marL="3429000" indent="-228600" eaLnBrk="0" fontAlgn="base" hangingPunct="0">
+              <a:spcBef>
+                <a:spcPct val="0"/>
+              </a:spcBef>
+              <a:spcAft>
+                <a:spcPct val="0"/>
+              </a:spcAft>
+              <a:buFont typeface="Wingdings" panose="05000000000000000000" pitchFamily="2" charset="2"/>
+              <a:defRPr kumimoji="1" sz="1600">
+                <a:solidFill>
+                  <a:schemeClr val="tx1"/>
+                </a:solidFill>
+                <a:latin typeface="HY울릉도M" panose="02030600000101010101" pitchFamily="18" charset="-127"/>
+                <a:ea typeface="HY울릉도M" panose="02030600000101010101" pitchFamily="18" charset="-127"/>
+              </a:defRPr>
+            </a:lvl8pPr>
+            <a:lvl9pPr marL="3886200" indent="-228600" eaLnBrk="0" fontAlgn="base" hangingPunct="0">
+              <a:spcBef>
+                <a:spcPct val="0"/>
+              </a:spcBef>
+              <a:spcAft>
+                <a:spcPct val="0"/>
+              </a:spcAft>
+              <a:buFont typeface="Wingdings" panose="05000000000000000000" pitchFamily="2" charset="2"/>
+              <a:defRPr kumimoji="1" sz="1600">
+                <a:solidFill>
+                  <a:schemeClr val="tx1"/>
+                </a:solidFill>
+                <a:latin typeface="HY울릉도M" panose="02030600000101010101" pitchFamily="18" charset="-127"/>
+                <a:ea typeface="HY울릉도M" panose="02030600000101010101" pitchFamily="18" charset="-127"/>
+              </a:defRPr>
+            </a:lvl9pPr>
+          </a:lstStyle>
+          <a:p>
+            <a:pPr eaLnBrk="1" latinLnBrk="1" hangingPunct="1">
+              <a:lnSpc>
+                <a:spcPct val="80000"/>
+              </a:lnSpc>
+              <a:spcBef>
+                <a:spcPct val="20000"/>
+              </a:spcBef>
+              <a:buClr>
+                <a:schemeClr val="accent1"/>
+              </a:buClr>
+              <a:buSzPct val="65000"/>
+              <a:buFont typeface="Wingdings" panose="05000000000000000000" pitchFamily="2" charset="2"/>
+              <a:buChar char="n"/>
+            </a:pPr>
+            <a:r>
+              <a:rPr lang="ko-KR" altLang="en-US" sz="1800">
+                <a:solidFill>
+                  <a:srgbClr val="FF6600"/>
+                </a:solidFill>
+              </a:rPr>
+              <a:t>예외의</a:t>
+            </a:r>
+            <a:r>
+              <a:rPr lang="en-US" altLang="ko-KR" sz="1800">
+                <a:solidFill>
+                  <a:srgbClr val="FF6600"/>
+                </a:solidFill>
+              </a:rPr>
+              <a:t> </a:t>
+            </a:r>
+            <a:r>
+              <a:rPr lang="ko-KR" altLang="en-US" sz="1800">
+                <a:solidFill>
+                  <a:srgbClr val="FF6600"/>
+                </a:solidFill>
+              </a:rPr>
+              <a:t>처리가</a:t>
+            </a:r>
+            <a:r>
+              <a:rPr lang="en-US" altLang="ko-KR" sz="1800">
+                <a:solidFill>
+                  <a:srgbClr val="FF6600"/>
+                </a:solidFill>
+              </a:rPr>
+              <a:t> </a:t>
+            </a:r>
+            <a:r>
+              <a:rPr lang="ko-KR" altLang="en-US" sz="1800">
+                <a:solidFill>
+                  <a:srgbClr val="FF6600"/>
+                </a:solidFill>
+              </a:rPr>
+              <a:t>정의되지</a:t>
+            </a:r>
+            <a:r>
+              <a:rPr lang="en-US" altLang="ko-KR" sz="1800">
+                <a:solidFill>
+                  <a:srgbClr val="FF6600"/>
+                </a:solidFill>
+              </a:rPr>
+              <a:t> </a:t>
+            </a:r>
+            <a:r>
+              <a:rPr lang="ko-KR" altLang="en-US" sz="1800">
+                <a:solidFill>
+                  <a:srgbClr val="FF6600"/>
+                </a:solidFill>
+              </a:rPr>
+              <a:t>않으면</a:t>
+            </a:r>
+            <a:endParaRPr lang="en-US" altLang="ko-KR" sz="1800">
+              <a:solidFill>
+                <a:srgbClr val="FF6600"/>
+              </a:solidFill>
+            </a:endParaRPr>
+          </a:p>
+          <a:p>
+            <a:pPr lvl="1" eaLnBrk="1" latinLnBrk="1" hangingPunct="1">
+              <a:lnSpc>
+                <a:spcPct val="80000"/>
+              </a:lnSpc>
+              <a:spcBef>
+                <a:spcPct val="20000"/>
+              </a:spcBef>
+              <a:buClr>
+                <a:srgbClr val="3B812F"/>
+              </a:buClr>
+              <a:buSzPct val="60000"/>
+              <a:buFont typeface="Wingdings" panose="05000000000000000000" pitchFamily="2" charset="2"/>
+              <a:buChar char="q"/>
+            </a:pPr>
+            <a:r>
+              <a:rPr lang="ko-KR" altLang="en-US" sz="1800">
+                <a:solidFill>
+                  <a:srgbClr val="339933"/>
+                </a:solidFill>
+              </a:rPr>
+              <a:t>예외가</a:t>
+            </a:r>
+            <a:r>
+              <a:rPr lang="en-US" altLang="ko-KR" sz="1800">
+                <a:solidFill>
+                  <a:srgbClr val="339933"/>
+                </a:solidFill>
+              </a:rPr>
+              <a:t> </a:t>
+            </a:r>
+            <a:r>
+              <a:rPr lang="ko-KR" altLang="en-US" sz="1800">
+                <a:solidFill>
+                  <a:srgbClr val="339933"/>
+                </a:solidFill>
+              </a:rPr>
+              <a:t>발생된</a:t>
+            </a:r>
+            <a:r>
+              <a:rPr lang="en-US" altLang="ko-KR" sz="1800">
+                <a:solidFill>
+                  <a:srgbClr val="339933"/>
+                </a:solidFill>
+              </a:rPr>
+              <a:t> </a:t>
+            </a:r>
+            <a:r>
+              <a:rPr lang="ko-KR" altLang="en-US" sz="1800">
+                <a:solidFill>
+                  <a:srgbClr val="339933"/>
+                </a:solidFill>
+              </a:rPr>
+              <a:t>메소드를</a:t>
+            </a:r>
+            <a:r>
+              <a:rPr lang="en-US" altLang="ko-KR" sz="1800">
+                <a:solidFill>
+                  <a:srgbClr val="339933"/>
+                </a:solidFill>
+              </a:rPr>
+              <a:t> </a:t>
+            </a:r>
+            <a:r>
+              <a:rPr lang="ko-KR" altLang="en-US" sz="1800">
+                <a:solidFill>
+                  <a:srgbClr val="0066FF"/>
+                </a:solidFill>
+              </a:rPr>
+              <a:t>호출한</a:t>
+            </a:r>
+            <a:r>
+              <a:rPr lang="en-US" altLang="ko-KR" sz="1800">
+                <a:solidFill>
+                  <a:srgbClr val="0066FF"/>
+                </a:solidFill>
+              </a:rPr>
+              <a:t> </a:t>
+            </a:r>
+            <a:r>
+              <a:rPr lang="ko-KR" altLang="en-US" sz="1800">
+                <a:solidFill>
+                  <a:srgbClr val="0066FF"/>
+                </a:solidFill>
+              </a:rPr>
+              <a:t>메소드로</a:t>
+            </a:r>
+            <a:r>
+              <a:rPr lang="en-US" altLang="ko-KR" sz="1800">
+                <a:solidFill>
+                  <a:srgbClr val="339933"/>
+                </a:solidFill>
+              </a:rPr>
+              <a:t> </a:t>
+            </a:r>
+            <a:r>
+              <a:rPr lang="ko-KR" altLang="en-US" sz="1800">
+                <a:solidFill>
+                  <a:srgbClr val="339933"/>
+                </a:solidFill>
+              </a:rPr>
+              <a:t>전파됨</a:t>
+            </a:r>
+            <a:endParaRPr lang="en-US" altLang="ko-KR" sz="1800">
+              <a:solidFill>
+                <a:srgbClr val="339933"/>
+              </a:solidFill>
+            </a:endParaRPr>
+          </a:p>
+          <a:p>
+            <a:pPr lvl="1" eaLnBrk="1" latinLnBrk="1" hangingPunct="1">
+              <a:lnSpc>
+                <a:spcPct val="80000"/>
+              </a:lnSpc>
+              <a:spcBef>
+                <a:spcPct val="20000"/>
+              </a:spcBef>
+              <a:buClr>
+                <a:srgbClr val="3B812F"/>
+              </a:buClr>
+              <a:buSzPct val="60000"/>
+              <a:buFont typeface="Wingdings" panose="05000000000000000000" pitchFamily="2" charset="2"/>
+              <a:buChar char="q"/>
+            </a:pPr>
+            <a:endParaRPr lang="en-US" altLang="ko-KR" sz="1800">
+              <a:solidFill>
+                <a:srgbClr val="339933"/>
+              </a:solidFill>
+            </a:endParaRPr>
+          </a:p>
+          <a:p>
+            <a:pPr eaLnBrk="1" latinLnBrk="1" hangingPunct="1">
+              <a:lnSpc>
+                <a:spcPct val="80000"/>
+              </a:lnSpc>
+              <a:spcBef>
+                <a:spcPct val="20000"/>
+              </a:spcBef>
+              <a:buClr>
+                <a:schemeClr val="accent1"/>
+              </a:buClr>
+              <a:buSzPct val="65000"/>
+              <a:buFont typeface="Wingdings" panose="05000000000000000000" pitchFamily="2" charset="2"/>
+              <a:buChar char="n"/>
+            </a:pPr>
+            <a:r>
+              <a:rPr lang="ko-KR" altLang="en-US" sz="1800">
+                <a:solidFill>
+                  <a:srgbClr val="FF6600"/>
+                </a:solidFill>
+              </a:rPr>
+              <a:t>프로그램</a:t>
+            </a:r>
+            <a:r>
+              <a:rPr lang="en-US" altLang="ko-KR" sz="1800">
+                <a:solidFill>
+                  <a:srgbClr val="FF6600"/>
+                </a:solidFill>
+              </a:rPr>
+              <a:t> </a:t>
+            </a:r>
+            <a:r>
+              <a:rPr lang="en-US" altLang="ko-KR" sz="1800">
+                <a:solidFill>
+                  <a:srgbClr val="FF6600"/>
+                </a:solidFill>
+                <a:latin typeface="굴림" panose="020B0600000101010101" pitchFamily="50" charset="-127"/>
+              </a:rPr>
+              <a:t>–</a:t>
+            </a:r>
+            <a:r>
+              <a:rPr lang="en-US" altLang="ko-KR" sz="1800">
+                <a:solidFill>
+                  <a:srgbClr val="FF6600"/>
+                </a:solidFill>
+              </a:rPr>
+              <a:t> </a:t>
+            </a:r>
+            <a:r>
+              <a:rPr lang="ko-KR" altLang="en-US" sz="1800">
+                <a:solidFill>
+                  <a:srgbClr val="FF6600"/>
+                </a:solidFill>
+              </a:rPr>
+              <a:t>예외의</a:t>
+            </a:r>
+            <a:r>
+              <a:rPr lang="en-US" altLang="ko-KR" sz="1800">
+                <a:solidFill>
+                  <a:srgbClr val="FF6600"/>
+                </a:solidFill>
+              </a:rPr>
+              <a:t> </a:t>
+            </a:r>
+            <a:r>
+              <a:rPr lang="ko-KR" altLang="en-US" sz="1800">
+                <a:solidFill>
+                  <a:srgbClr val="FF6600"/>
+                </a:solidFill>
+              </a:rPr>
+              <a:t>전파</a:t>
+            </a:r>
+            <a:endParaRPr lang="en-US" altLang="ko-KR" sz="1800">
+              <a:solidFill>
+                <a:srgbClr val="FF6600"/>
+              </a:solidFill>
+            </a:endParaRPr>
+          </a:p>
+        </p:txBody>
+      </p:sp>
+      <p:pic>
+        <p:nvPicPr>
+          <p:cNvPr id="32775" name="Picture 10"/>
+          <p:cNvPicPr>
+            <a:picLocks noChangeAspect="1" noChangeArrowheads="1"/>
+          </p:cNvPicPr>
+          <p:nvPr/>
+        </p:nvPicPr>
+        <p:blipFill>
+          <a:blip r:embed="rId3">
+            <a:extLst>
+              <a:ext uri="{28A0092B-C50C-407E-A947-70E740481C1C}">
+                <a14:useLocalDpi xmlns:a14="http://schemas.microsoft.com/office/drawing/2010/main" val="0"/>
+              </a:ext>
+            </a:extLst>
+          </a:blip>
+          <a:srcRect/>
+          <a:stretch>
+            <a:fillRect/>
+          </a:stretch>
+        </p:blipFill>
+        <p:spPr bwMode="auto">
+          <a:xfrm>
+            <a:off x="2279651" y="5157789"/>
+            <a:ext cx="7553325" cy="1584325"/>
+          </a:xfrm>
+          <a:prstGeom prst="rect">
+            <a:avLst/>
+          </a:prstGeom>
+          <a:noFill/>
+          <a:ln>
+            <a:noFill/>
+          </a:ln>
+          <a:extLst>
+            <a:ext uri="{909E8E84-426E-40DD-AFC4-6F175D3DCCD1}">
+              <a14:hiddenFill xmlns:a14="http://schemas.microsoft.com/office/drawing/2010/main">
+                <a:solidFill>
+                  <a:srgbClr val="FFFFFF"/>
+                </a:solidFill>
+              </a14:hiddenFill>
+            </a:ext>
+            <a:ext uri="{91240B29-F687-4F45-9708-019B960494DF}">
+              <a14:hiddenLine xmlns:a14="http://schemas.microsoft.com/office/drawing/2010/main" w="9525">
+                <a:solidFill>
+                  <a:srgbClr val="000000"/>
+                </a:solidFill>
+                <a:miter lim="800000"/>
+                <a:headEnd/>
+                <a:tailEnd/>
+              </a14:hiddenLine>
+            </a:ext>
+          </a:extLst>
+        </p:spPr>
+      </p:pic>
+    </p:spTree>
+    <p:extLst>
+      <p:ext uri="{BB962C8B-B14F-4D97-AF65-F5344CB8AC3E}">
+        <p14:creationId xmlns:p14="http://schemas.microsoft.com/office/powerpoint/2010/main" val="2689657317"/>
+      </p:ext>
+    </p:extLst>
+  </p:cSld>
+  <p:clrMapOvr>
+    <a:masterClrMapping/>
+  </p:clrMapOvr>
+  <p:timing>
+    <p:tnLst>
+      <p:par>
+        <p:cTn id="1" dur="indefinite" restart="never" nodeType="tmRoot"/>
+      </p:par>
+    </p:tnLst>
+  </p:timing>
+</p:sld>
+</file>
+
+<file path=ppt/slides/slide11.xml><?xml version="1.0" encoding="utf-8"?>
 <p:sld xmlns:a="http://schemas.openxmlformats.org/drawingml/2006/main" xmlns:r="http://schemas.openxmlformats.org/officeDocument/2006/relationships" xmlns:p="http://schemas.openxmlformats.org/presentationml/2006/main">
   <p:cSld>
     <p:spTree>
@@ -6744,7 +8249,7 @@
 </p:sld>
 </file>
 
-<file path=ppt/slides/slide11.xml><?xml version="1.0" encoding="utf-8"?>
+<file path=ppt/slides/slide12.xml><?xml version="1.0" encoding="utf-8"?>
 <p:sld xmlns:a="http://schemas.openxmlformats.org/drawingml/2006/main" xmlns:r="http://schemas.openxmlformats.org/officeDocument/2006/relationships" xmlns:p="http://schemas.openxmlformats.org/presentationml/2006/main">
   <p:cSld>
     <p:spTree>
@@ -8362,7 +9867,7 @@
 </p:sld>
 </file>
 
-<file path=ppt/slides/slide12.xml><?xml version="1.0" encoding="utf-8"?>
+<file path=ppt/slides/slide13.xml><?xml version="1.0" encoding="utf-8"?>
 <p:sld xmlns:a="http://schemas.openxmlformats.org/drawingml/2006/main" xmlns:r="http://schemas.openxmlformats.org/officeDocument/2006/relationships" xmlns:p="http://schemas.openxmlformats.org/presentationml/2006/main">
   <p:cSld>
     <p:spTree>
@@ -8491,10 +9996,17 @@
   <p:clrMapOvr>
     <a:masterClrMapping/>
   </p:clrMapOvr>
+  <p:timing>
+    <p:tnLst>
+      <p:par>
+        <p:cTn id="1" dur="indefinite" restart="never" nodeType="tmRoot"/>
+      </p:par>
+    </p:tnLst>
+  </p:timing>
 </p:sld>
 </file>
 
-<file path=ppt/slides/slide13.xml><?xml version="1.0" encoding="utf-8"?>
+<file path=ppt/slides/slide14.xml><?xml version="1.0" encoding="utf-8"?>
 <p:sld xmlns:a="http://schemas.openxmlformats.org/drawingml/2006/main" xmlns:r="http://schemas.openxmlformats.org/officeDocument/2006/relationships" xmlns:p="http://schemas.openxmlformats.org/presentationml/2006/main">
   <p:cSld>
     <p:spTree>
@@ -8828,7 +10340,7 @@
 </p:sld>
 </file>
 
-<file path=ppt/slides/slide14.xml><?xml version="1.0" encoding="utf-8"?>
+<file path=ppt/slides/slide15.xml><?xml version="1.0" encoding="utf-8"?>
 <p:sld xmlns:a="http://schemas.openxmlformats.org/drawingml/2006/main" xmlns:r="http://schemas.openxmlformats.org/officeDocument/2006/relationships" xmlns:p="http://schemas.openxmlformats.org/presentationml/2006/main">
   <p:cSld>
     <p:spTree>
@@ -8896,8 +10408,8 @@
         </p:blipFill>
         <p:spPr bwMode="auto">
           <a:xfrm>
-            <a:off x="838200" y="1690688"/>
-            <a:ext cx="4843058" cy="5286437"/>
+            <a:off x="838200" y="1571564"/>
+            <a:ext cx="4569069" cy="4987364"/>
           </a:xfrm>
           <a:prstGeom prst="rect">
             <a:avLst/>
@@ -8909,14 +10421,14 @@
           <a:effectLst/>
           <a:extLst>
             <a:ext uri="{909E8E84-426E-40dd-AFC4-6F175D3DCCD1}">
-              <a14:hiddenFill xmlns:a14="http://schemas.microsoft.com/office/drawing/2010/main" xmlns="">
+              <a14:hiddenFill xmlns="" xmlns:a14="http://schemas.microsoft.com/office/drawing/2010/main">
                 <a:solidFill>
                   <a:schemeClr val="accent1"/>
                 </a:solidFill>
               </a14:hiddenFill>
             </a:ext>
             <a:ext uri="{91240B29-F687-4f45-9708-019B960494DF}">
-              <a14:hiddenLine xmlns:a14="http://schemas.microsoft.com/office/drawing/2010/main" xmlns="" w="9525">
+              <a14:hiddenLine xmlns="" xmlns:a14="http://schemas.microsoft.com/office/drawing/2010/main" w="9525">
                 <a:solidFill>
                   <a:schemeClr val="tx1"/>
                 </a:solidFill>
@@ -8926,7 +10438,7 @@
               </a14:hiddenLine>
             </a:ext>
             <a:ext uri="{AF507438-7753-43e0-B8FC-AC1667EBCBE1}">
-              <a14:hiddenEffects xmlns:a14="http://schemas.microsoft.com/office/drawing/2010/main" xmlns="">
+              <a14:hiddenEffects xmlns="" xmlns:a14="http://schemas.microsoft.com/office/drawing/2010/main">
                 <a:effectLst>
                   <a:outerShdw blurRad="63500" dist="38099" dir="2700000" algn="ctr" rotWithShape="0">
                     <a:schemeClr val="bg2">
@@ -8975,14 +10487,14 @@
           <a:effectLst/>
           <a:extLst>
             <a:ext uri="{909E8E84-426E-40dd-AFC4-6F175D3DCCD1}">
-              <a14:hiddenFill xmlns:a14="http://schemas.microsoft.com/office/drawing/2010/main" xmlns="">
+              <a14:hiddenFill xmlns="" xmlns:a14="http://schemas.microsoft.com/office/drawing/2010/main">
                 <a:solidFill>
                   <a:schemeClr val="accent1"/>
                 </a:solidFill>
               </a14:hiddenFill>
             </a:ext>
             <a:ext uri="{91240B29-F687-4f45-9708-019B960494DF}">
-              <a14:hiddenLine xmlns:a14="http://schemas.microsoft.com/office/drawing/2010/main" xmlns="" w="9525">
+              <a14:hiddenLine xmlns="" xmlns:a14="http://schemas.microsoft.com/office/drawing/2010/main" w="9525">
                 <a:solidFill>
                   <a:schemeClr val="tx1"/>
                 </a:solidFill>
@@ -8992,7 +10504,7 @@
               </a14:hiddenLine>
             </a:ext>
             <a:ext uri="{AF507438-7753-43e0-B8FC-AC1667EBCBE1}">
-              <a14:hiddenEffects xmlns:a14="http://schemas.microsoft.com/office/drawing/2010/main" xmlns="">
+              <a14:hiddenEffects xmlns="" xmlns:a14="http://schemas.microsoft.com/office/drawing/2010/main">
                 <a:effectLst>
                   <a:outerShdw blurRad="63500" dist="38099" dir="2700000" algn="ctr" rotWithShape="0">
                     <a:schemeClr val="bg2">
@@ -9041,14 +10553,14 @@
           <a:effectLst/>
           <a:extLst>
             <a:ext uri="{909E8E84-426E-40dd-AFC4-6F175D3DCCD1}">
-              <a14:hiddenFill xmlns:a14="http://schemas.microsoft.com/office/drawing/2010/main" xmlns="">
+              <a14:hiddenFill xmlns="" xmlns:a14="http://schemas.microsoft.com/office/drawing/2010/main">
                 <a:solidFill>
                   <a:schemeClr val="accent1"/>
                 </a:solidFill>
               </a14:hiddenFill>
             </a:ext>
             <a:ext uri="{91240B29-F687-4f45-9708-019B960494DF}">
-              <a14:hiddenLine xmlns:a14="http://schemas.microsoft.com/office/drawing/2010/main" xmlns="" w="9525">
+              <a14:hiddenLine xmlns="" xmlns:a14="http://schemas.microsoft.com/office/drawing/2010/main" w="9525">
                 <a:solidFill>
                   <a:schemeClr val="tx1"/>
                 </a:solidFill>
@@ -9058,7 +10570,7 @@
               </a14:hiddenLine>
             </a:ext>
             <a:ext uri="{AF507438-7753-43e0-B8FC-AC1667EBCBE1}">
-              <a14:hiddenEffects xmlns:a14="http://schemas.microsoft.com/office/drawing/2010/main" xmlns="">
+              <a14:hiddenEffects xmlns="" xmlns:a14="http://schemas.microsoft.com/office/drawing/2010/main">
                 <a:effectLst>
                   <a:outerShdw blurRad="63500" dist="38099" dir="2700000" algn="ctr" rotWithShape="0">
                     <a:schemeClr val="bg2">
@@ -9219,6 +10731,13 @@
   <p:clrMapOvr>
     <a:masterClrMapping/>
   </p:clrMapOvr>
+  <p:timing>
+    <p:tnLst>
+      <p:par>
+        <p:cTn id="1" dur="indefinite" restart="never" nodeType="tmRoot"/>
+      </p:par>
+    </p:tnLst>
+  </p:timing>
 </p:sld>
 </file>
 
@@ -9315,6 +10834,13 @@
   <p:clrMapOvr>
     <a:masterClrMapping/>
   </p:clrMapOvr>
+  <p:timing>
+    <p:tnLst>
+      <p:par>
+        <p:cTn id="1" dur="indefinite" restart="never" nodeType="tmRoot"/>
+      </p:par>
+    </p:tnLst>
+  </p:timing>
 </p:sld>
 </file>
 
@@ -15735,7 +17261,7 @@
               <a:buSzPct val="60000"/>
             </a:pPr>
             <a:r>
-              <a:rPr lang="en-US" altLang="ko-KR" sz="1800">
+              <a:rPr lang="en-US" altLang="ko-KR" sz="1800" dirty="0">
                 <a:solidFill>
                   <a:srgbClr val="4D4D4D"/>
                 </a:solidFill>
@@ -15754,12 +17280,28 @@
               <a:buSzPct val="60000"/>
             </a:pPr>
             <a:r>
-              <a:rPr lang="en-US" altLang="ko-KR" sz="1800">
+              <a:rPr lang="en-US" altLang="ko-KR" sz="1800" dirty="0">
                 <a:solidFill>
                   <a:srgbClr val="4D4D4D"/>
                 </a:solidFill>
               </a:rPr>
-              <a:t>      public static void main(String args[]) {</a:t>
+              <a:t>      public static void main(String </a:t>
+            </a:r>
+            <a:r>
+              <a:rPr lang="en-US" altLang="ko-KR" sz="1800" dirty="0" err="1">
+                <a:solidFill>
+                  <a:srgbClr val="4D4D4D"/>
+                </a:solidFill>
+              </a:rPr>
+              <a:t>args</a:t>
+            </a:r>
+            <a:r>
+              <a:rPr lang="en-US" altLang="ko-KR" sz="1800" dirty="0">
+                <a:solidFill>
+                  <a:srgbClr val="4D4D4D"/>
+                </a:solidFill>
+              </a:rPr>
+              <a:t>[]) {</a:t>
             </a:r>
           </a:p>
           <a:p>
@@ -15773,12 +17315,44 @@
               <a:buSzPct val="60000"/>
             </a:pPr>
             <a:r>
-              <a:rPr lang="en-US" altLang="ko-KR" sz="1800">
+              <a:rPr lang="en-US" altLang="ko-KR" sz="1800" dirty="0">
                 <a:solidFill>
                   <a:srgbClr val="4D4D4D"/>
                 </a:solidFill>
               </a:rPr>
-              <a:t>	int i = 0; </a:t>
+              <a:t>	</a:t>
+            </a:r>
+            <a:r>
+              <a:rPr lang="en-US" altLang="ko-KR" sz="1800" dirty="0" err="1">
+                <a:solidFill>
+                  <a:srgbClr val="4D4D4D"/>
+                </a:solidFill>
+              </a:rPr>
+              <a:t>int</a:t>
+            </a:r>
+            <a:r>
+              <a:rPr lang="en-US" altLang="ko-KR" sz="1800" dirty="0">
+                <a:solidFill>
+                  <a:srgbClr val="4D4D4D"/>
+                </a:solidFill>
+              </a:rPr>
+              <a:t> </a:t>
+            </a:r>
+            <a:r>
+              <a:rPr lang="en-US" altLang="ko-KR" sz="1800" dirty="0" err="1">
+                <a:solidFill>
+                  <a:srgbClr val="4D4D4D"/>
+                </a:solidFill>
+              </a:rPr>
+              <a:t>i</a:t>
+            </a:r>
+            <a:r>
+              <a:rPr lang="en-US" altLang="ko-KR" sz="1800" dirty="0">
+                <a:solidFill>
+                  <a:srgbClr val="4D4D4D"/>
+                </a:solidFill>
+              </a:rPr>
+              <a:t> = 0; </a:t>
             </a:r>
           </a:p>
           <a:p>
@@ -15792,7 +17366,7 @@
               <a:buSzPct val="60000"/>
             </a:pPr>
             <a:r>
-              <a:rPr lang="en-US" altLang="ko-KR" sz="1800">
+              <a:rPr lang="en-US" altLang="ko-KR" sz="1800" dirty="0">
                 <a:solidFill>
                   <a:srgbClr val="4D4D4D"/>
                 </a:solidFill>
@@ -15800,7 +17374,7 @@
               <a:t>	String array[] = {</a:t>
             </a:r>
             <a:r>
-              <a:rPr lang="ko-KR" altLang="en-US" sz="1800">
+              <a:rPr lang="ko-KR" altLang="en-US" sz="1800" dirty="0">
                 <a:solidFill>
                   <a:srgbClr val="4D4D4D"/>
                 </a:solidFill>
@@ -15809,7 +17383,7 @@
               <a:t>“</a:t>
             </a:r>
             <a:r>
-              <a:rPr lang="en-US" altLang="ko-KR" sz="1800">
+              <a:rPr lang="en-US" altLang="ko-KR" sz="1800" dirty="0">
                 <a:solidFill>
                   <a:srgbClr val="4D4D4D"/>
                 </a:solidFill>
@@ -15817,7 +17391,7 @@
               <a:t>one</a:t>
             </a:r>
             <a:r>
-              <a:rPr lang="ko-KR" altLang="en-US" sz="1800">
+              <a:rPr lang="ko-KR" altLang="en-US" sz="1800" dirty="0">
                 <a:solidFill>
                   <a:srgbClr val="4D4D4D"/>
                 </a:solidFill>
@@ -15826,7 +17400,7 @@
               <a:t>”</a:t>
             </a:r>
             <a:r>
-              <a:rPr lang="en-US" altLang="ko-KR" sz="1800">
+              <a:rPr lang="en-US" altLang="ko-KR" sz="1800" dirty="0">
                 <a:solidFill>
                   <a:srgbClr val="4D4D4D"/>
                 </a:solidFill>
@@ -15834,7 +17408,7 @@
               <a:t>, </a:t>
             </a:r>
             <a:r>
-              <a:rPr lang="ko-KR" altLang="en-US" sz="1800">
+              <a:rPr lang="ko-KR" altLang="en-US" sz="1800" dirty="0">
                 <a:solidFill>
                   <a:srgbClr val="4D4D4D"/>
                 </a:solidFill>
@@ -15843,7 +17417,7 @@
               <a:t>“</a:t>
             </a:r>
             <a:r>
-              <a:rPr lang="en-US" altLang="ko-KR" sz="1800">
+              <a:rPr lang="en-US" altLang="ko-KR" sz="1800" dirty="0">
                 <a:solidFill>
                   <a:srgbClr val="4D4D4D"/>
                 </a:solidFill>
@@ -15851,7 +17425,7 @@
               <a:t>two</a:t>
             </a:r>
             <a:r>
-              <a:rPr lang="ko-KR" altLang="en-US" sz="1800">
+              <a:rPr lang="ko-KR" altLang="en-US" sz="1800" dirty="0">
                 <a:solidFill>
                   <a:srgbClr val="4D4D4D"/>
                 </a:solidFill>
@@ -15860,7 +17434,7 @@
               <a:t>”</a:t>
             </a:r>
             <a:r>
-              <a:rPr lang="en-US" altLang="ko-KR" sz="1800">
+              <a:rPr lang="en-US" altLang="ko-KR" sz="1800" dirty="0">
                 <a:solidFill>
                   <a:srgbClr val="4D4D4D"/>
                 </a:solidFill>
@@ -15868,7 +17442,7 @@
               <a:t>, </a:t>
             </a:r>
             <a:r>
-              <a:rPr lang="ko-KR" altLang="en-US" sz="1800">
+              <a:rPr lang="ko-KR" altLang="en-US" sz="1800" dirty="0">
                 <a:solidFill>
                   <a:srgbClr val="4D4D4D"/>
                 </a:solidFill>
@@ -15877,7 +17451,7 @@
               <a:t>“</a:t>
             </a:r>
             <a:r>
-              <a:rPr lang="en-US" altLang="ko-KR" sz="1800">
+              <a:rPr lang="en-US" altLang="ko-KR" sz="1800" dirty="0">
                 <a:solidFill>
                   <a:srgbClr val="4D4D4D"/>
                 </a:solidFill>
@@ -15885,7 +17459,7 @@
               <a:t>three</a:t>
             </a:r>
             <a:r>
-              <a:rPr lang="ko-KR" altLang="en-US" sz="1800">
+              <a:rPr lang="ko-KR" altLang="en-US" sz="1800" dirty="0">
                 <a:solidFill>
                   <a:srgbClr val="4D4D4D"/>
                 </a:solidFill>
@@ -15894,7 +17468,7 @@
               <a:t>”</a:t>
             </a:r>
             <a:r>
-              <a:rPr lang="en-US" altLang="ko-KR" sz="1800">
+              <a:rPr lang="en-US" altLang="ko-KR" sz="1800" dirty="0">
                 <a:solidFill>
                   <a:srgbClr val="4D4D4D"/>
                 </a:solidFill>
@@ -15902,7 +17476,7 @@
               <a:t>}; // 3</a:t>
             </a:r>
             <a:r>
-              <a:rPr lang="ko-KR" altLang="en-US" sz="1800">
+              <a:rPr lang="ko-KR" altLang="en-US" sz="1800" dirty="0">
                 <a:solidFill>
                   <a:srgbClr val="4D4D4D"/>
                 </a:solidFill>
@@ -15910,7 +17484,7 @@
               <a:t>개</a:t>
             </a:r>
             <a:r>
-              <a:rPr lang="en-US" altLang="ko-KR" sz="1800">
+              <a:rPr lang="en-US" altLang="ko-KR" sz="1800" dirty="0">
                 <a:solidFill>
                   <a:srgbClr val="4D4D4D"/>
                 </a:solidFill>
@@ -15918,14 +17492,14 @@
               <a:t> </a:t>
             </a:r>
             <a:r>
-              <a:rPr lang="ko-KR" altLang="en-US" sz="1800">
+              <a:rPr lang="ko-KR" altLang="en-US" sz="1800" dirty="0">
                 <a:solidFill>
                   <a:srgbClr val="4D4D4D"/>
                 </a:solidFill>
               </a:rPr>
               <a:t>배열</a:t>
             </a:r>
-            <a:endParaRPr lang="en-US" altLang="ko-KR" sz="1800">
+            <a:endParaRPr lang="en-US" altLang="ko-KR" sz="1800" dirty="0">
               <a:solidFill>
                 <a:srgbClr val="4D4D4D"/>
               </a:solidFill>
@@ -15942,23 +17516,39 @@
               <a:buSzPct val="60000"/>
             </a:pPr>
             <a:r>
-              <a:rPr lang="en-US" altLang="ko-KR" sz="1800">
+              <a:rPr lang="en-US" altLang="ko-KR" sz="1800" dirty="0">
                 <a:solidFill>
                   <a:srgbClr val="4D4D4D"/>
                 </a:solidFill>
               </a:rPr>
-              <a:t>	while(i &lt; 4) {      // 4</a:t>
-            </a:r>
-            <a:r>
-              <a:rPr lang="ko-KR" altLang="en-US" sz="1800">
+              <a:t>	while(</a:t>
+            </a:r>
+            <a:r>
+              <a:rPr lang="en-US" altLang="ko-KR" sz="1800" dirty="0" err="1">
                 <a:solidFill>
                   <a:srgbClr val="4D4D4D"/>
                 </a:solidFill>
               </a:rPr>
+              <a:t>i</a:t>
+            </a:r>
+            <a:r>
+              <a:rPr lang="en-US" altLang="ko-KR" sz="1800" dirty="0">
+                <a:solidFill>
+                  <a:srgbClr val="4D4D4D"/>
+                </a:solidFill>
+              </a:rPr>
+              <a:t> &lt; 4) {      // 4</a:t>
+            </a:r>
+            <a:r>
+              <a:rPr lang="ko-KR" altLang="en-US" sz="1800" dirty="0">
+                <a:solidFill>
+                  <a:srgbClr val="4D4D4D"/>
+                </a:solidFill>
+              </a:rPr>
               <a:t>개</a:t>
             </a:r>
             <a:r>
-              <a:rPr lang="en-US" altLang="ko-KR" sz="1800">
+              <a:rPr lang="en-US" altLang="ko-KR" sz="1800" dirty="0">
                 <a:solidFill>
                   <a:srgbClr val="4D4D4D"/>
                 </a:solidFill>
@@ -15966,7 +17556,7 @@
               <a:t> </a:t>
             </a:r>
             <a:r>
-              <a:rPr lang="ko-KR" altLang="en-US" sz="1800">
+              <a:rPr lang="ko-KR" altLang="en-US" sz="1800" dirty="0">
                 <a:solidFill>
                   <a:srgbClr val="4D4D4D"/>
                 </a:solidFill>
@@ -15974,7 +17564,7 @@
               <a:t>배열</a:t>
             </a:r>
             <a:r>
-              <a:rPr lang="en-US" altLang="ko-KR" sz="1800">
+              <a:rPr lang="en-US" altLang="ko-KR" sz="1800" dirty="0">
                 <a:solidFill>
                   <a:srgbClr val="4D4D4D"/>
                 </a:solidFill>
@@ -15982,7 +17572,7 @@
               <a:t>(0 ~ 3)</a:t>
             </a:r>
             <a:r>
-              <a:rPr lang="ko-KR" altLang="en-US" sz="1800">
+              <a:rPr lang="ko-KR" altLang="en-US" sz="1800" dirty="0">
                 <a:solidFill>
                   <a:srgbClr val="4D4D4D"/>
                 </a:solidFill>
@@ -15990,7 +17580,7 @@
               <a:t>까지</a:t>
             </a:r>
             <a:r>
-              <a:rPr lang="en-US" altLang="ko-KR" sz="1800">
+              <a:rPr lang="en-US" altLang="ko-KR" sz="1800" dirty="0">
                 <a:solidFill>
                   <a:srgbClr val="4D4D4D"/>
                 </a:solidFill>
@@ -15998,14 +17588,14 @@
               <a:t> </a:t>
             </a:r>
             <a:r>
-              <a:rPr lang="ko-KR" altLang="en-US" sz="1800">
+              <a:rPr lang="ko-KR" altLang="en-US" sz="1800" dirty="0">
                 <a:solidFill>
                   <a:srgbClr val="4D4D4D"/>
                 </a:solidFill>
               </a:rPr>
               <a:t>인쇄</a:t>
             </a:r>
-            <a:endParaRPr lang="en-US" altLang="ko-KR" sz="1800">
+            <a:endParaRPr lang="en-US" altLang="ko-KR" sz="1800" dirty="0">
               <a:solidFill>
                 <a:srgbClr val="4D4D4D"/>
               </a:solidFill>
@@ -16022,7 +17612,7 @@
               <a:buSzPct val="60000"/>
             </a:pPr>
             <a:r>
-              <a:rPr lang="en-US" altLang="ko-KR" sz="1800">
+              <a:rPr lang="en-US" altLang="ko-KR" sz="1800" dirty="0">
                 <a:solidFill>
                   <a:srgbClr val="4D4D4D"/>
                 </a:solidFill>
@@ -16030,7 +17620,7 @@
               <a:t>      </a:t>
             </a:r>
             <a:r>
-              <a:rPr lang="en-US" altLang="ko-KR" sz="1800">
+              <a:rPr lang="en-US" altLang="ko-KR" sz="1800" dirty="0">
                 <a:solidFill>
                   <a:srgbClr val="CC3300"/>
                 </a:solidFill>
@@ -16038,7 +17628,7 @@
               <a:t>try </a:t>
             </a:r>
             <a:r>
-              <a:rPr lang="en-US" altLang="ko-KR" sz="1800">
+              <a:rPr lang="en-US" altLang="ko-KR" sz="1800" dirty="0">
                 <a:solidFill>
                   <a:schemeClr val="accent2"/>
                 </a:solidFill>
@@ -16057,23 +17647,55 @@
               <a:buSzPct val="60000"/>
             </a:pPr>
             <a:r>
-              <a:rPr lang="en-US" altLang="ko-KR" sz="1800">
+              <a:rPr lang="en-US" altLang="ko-KR" sz="1800" dirty="0">
                 <a:solidFill>
                   <a:srgbClr val="4D4D4D"/>
                 </a:solidFill>
               </a:rPr>
-              <a:t>	      System.out.println(array[i]); // 4</a:t>
-            </a:r>
-            <a:r>
-              <a:rPr lang="ko-KR" altLang="en-US" sz="1800">
+              <a:t>	      </a:t>
+            </a:r>
+            <a:r>
+              <a:rPr lang="en-US" altLang="ko-KR" sz="1800" dirty="0" err="1">
                 <a:solidFill>
                   <a:srgbClr val="4D4D4D"/>
                 </a:solidFill>
               </a:rPr>
+              <a:t>System.out.println</a:t>
+            </a:r>
+            <a:r>
+              <a:rPr lang="en-US" altLang="ko-KR" sz="1800" dirty="0">
+                <a:solidFill>
+                  <a:srgbClr val="4D4D4D"/>
+                </a:solidFill>
+              </a:rPr>
+              <a:t>(array[</a:t>
+            </a:r>
+            <a:r>
+              <a:rPr lang="en-US" altLang="ko-KR" sz="1800" dirty="0" err="1">
+                <a:solidFill>
+                  <a:srgbClr val="4D4D4D"/>
+                </a:solidFill>
+              </a:rPr>
+              <a:t>i</a:t>
+            </a:r>
+            <a:r>
+              <a:rPr lang="en-US" altLang="ko-KR" sz="1800" dirty="0">
+                <a:solidFill>
+                  <a:srgbClr val="4D4D4D"/>
+                </a:solidFill>
+              </a:rPr>
+              <a:t>]); // 4</a:t>
+            </a:r>
+            <a:r>
+              <a:rPr lang="ko-KR" altLang="en-US" sz="1800" dirty="0">
+                <a:solidFill>
+                  <a:srgbClr val="4D4D4D"/>
+                </a:solidFill>
+              </a:rPr>
               <a:t>번째</a:t>
             </a:r>
             <a:r>
-              <a:rPr lang="en-US" altLang="ko-KR" sz="1800">
+              <a:rPr lang="en-US" altLang="ko-KR" sz="1800" dirty="0">
                 <a:solidFill>
                   <a:srgbClr val="4D4D4D"/>
                 </a:solidFill>
@@ -16081,7 +17703,7 @@
               <a:t> </a:t>
             </a:r>
             <a:r>
-              <a:rPr lang="ko-KR" altLang="en-US" sz="1800">
+              <a:rPr lang="ko-KR" altLang="en-US" sz="1800" dirty="0">
                 <a:solidFill>
                   <a:srgbClr val="4D4D4D"/>
                 </a:solidFill>
@@ -16089,7 +17711,7 @@
               <a:t>배열</a:t>
             </a:r>
             <a:r>
-              <a:rPr lang="en-US" altLang="ko-KR" sz="1800">
+              <a:rPr lang="en-US" altLang="ko-KR" sz="1800" dirty="0">
                 <a:solidFill>
                   <a:srgbClr val="4D4D4D"/>
                 </a:solidFill>
@@ -16097,14 +17719,14 @@
               <a:t> : </a:t>
             </a:r>
             <a:r>
-              <a:rPr lang="ko-KR" altLang="en-US" sz="1800">
+              <a:rPr lang="ko-KR" altLang="en-US" sz="1800" dirty="0">
                 <a:solidFill>
                   <a:srgbClr val="4D4D4D"/>
                 </a:solidFill>
               </a:rPr>
               <a:t>오류</a:t>
             </a:r>
-            <a:endParaRPr lang="en-US" altLang="ko-KR" sz="1800">
+            <a:endParaRPr lang="en-US" altLang="ko-KR" sz="1800" dirty="0">
               <a:solidFill>
                 <a:srgbClr val="4D4D4D"/>
               </a:solidFill>
@@ -16121,7 +17743,7 @@
               <a:buSzPct val="60000"/>
             </a:pPr>
             <a:r>
-              <a:rPr lang="en-US" altLang="ko-KR" sz="1800">
+              <a:rPr lang="en-US" altLang="ko-KR" sz="1800" dirty="0">
                 <a:solidFill>
                   <a:srgbClr val="4D4D4D"/>
                 </a:solidFill>
@@ -16129,15 +17751,31 @@
               <a:t>      } </a:t>
             </a:r>
             <a:r>
-              <a:rPr lang="en-US" altLang="ko-KR" sz="1800">
+              <a:rPr lang="en-US" altLang="ko-KR" sz="1800" dirty="0">
                 <a:solidFill>
                   <a:srgbClr val="CC3300"/>
                 </a:solidFill>
               </a:rPr>
-              <a:t>catch(ArrayIndexOutOfBoundsException e)</a:t>
-            </a:r>
-            <a:r>
-              <a:rPr lang="en-US" altLang="ko-KR" sz="1800">
+              <a:t>catch(</a:t>
+            </a:r>
+            <a:r>
+              <a:rPr lang="en-US" altLang="ko-KR" sz="1800" dirty="0" err="1">
+                <a:solidFill>
+                  <a:srgbClr val="CC3300"/>
+                </a:solidFill>
+              </a:rPr>
+              <a:t>ArrayIndexOutOfBoundsException</a:t>
+            </a:r>
+            <a:r>
+              <a:rPr lang="en-US" altLang="ko-KR" sz="1800" dirty="0">
+                <a:solidFill>
+                  <a:srgbClr val="CC3300"/>
+                </a:solidFill>
+              </a:rPr>
+              <a:t> e)</a:t>
+            </a:r>
+            <a:r>
+              <a:rPr lang="en-US" altLang="ko-KR" sz="1800" dirty="0">
                 <a:solidFill>
                   <a:srgbClr val="4D4D4D"/>
                 </a:solidFill>
@@ -16145,7 +17783,7 @@
               <a:t> { </a:t>
             </a:r>
             <a:r>
-              <a:rPr lang="en-US" altLang="ko-KR" sz="1800">
+              <a:rPr lang="en-US" altLang="ko-KR" sz="1800" dirty="0">
                 <a:solidFill>
                   <a:srgbClr val="FF3300"/>
                 </a:solidFill>
@@ -16153,7 +17791,7 @@
               <a:t>// </a:t>
             </a:r>
             <a:r>
-              <a:rPr lang="ko-KR" altLang="en-US" sz="1800">
+              <a:rPr lang="ko-KR" altLang="en-US" sz="1800" dirty="0">
                 <a:solidFill>
                   <a:srgbClr val="FF3300"/>
                 </a:solidFill>
@@ -16161,7 +17799,7 @@
               <a:t>예외</a:t>
             </a:r>
             <a:r>
-              <a:rPr lang="en-US" altLang="ko-KR" sz="1800">
+              <a:rPr lang="en-US" altLang="ko-KR" sz="1800" dirty="0">
                 <a:solidFill>
                   <a:srgbClr val="FF3300"/>
                 </a:solidFill>
@@ -16169,14 +17807,14 @@
               <a:t> </a:t>
             </a:r>
             <a:r>
-              <a:rPr lang="ko-KR" altLang="en-US" sz="1800">
+              <a:rPr lang="ko-KR" altLang="en-US" sz="1800" dirty="0">
                 <a:solidFill>
                   <a:srgbClr val="FF3300"/>
                 </a:solidFill>
               </a:rPr>
               <a:t>선언</a:t>
             </a:r>
-            <a:endParaRPr lang="en-US" altLang="ko-KR" sz="1800">
+            <a:endParaRPr lang="en-US" altLang="ko-KR" sz="1800" dirty="0">
               <a:solidFill>
                 <a:srgbClr val="FF3300"/>
               </a:solidFill>
@@ -16193,24 +17831,40 @@
               <a:buSzPct val="60000"/>
             </a:pPr>
             <a:r>
-              <a:rPr lang="en-US" altLang="ko-KR" sz="1800">
+              <a:rPr lang="en-US" altLang="ko-KR" sz="1800" dirty="0">
                 <a:solidFill>
                   <a:srgbClr val="4D4D4D"/>
                 </a:solidFill>
               </a:rPr>
-              <a:t>	System.out.println(</a:t>
-            </a:r>
-            <a:r>
-              <a:rPr lang="ko-KR" altLang="en-US" sz="1800">
+              <a:t>	</a:t>
+            </a:r>
+            <a:r>
+              <a:rPr lang="en-US" altLang="ko-KR" sz="1800" dirty="0" err="1">
                 <a:solidFill>
                   <a:srgbClr val="4D4D4D"/>
                 </a:solidFill>
+              </a:rPr>
+              <a:t>System.out.println</a:t>
+            </a:r>
+            <a:r>
+              <a:rPr lang="en-US" altLang="ko-KR" sz="1800" dirty="0">
+                <a:solidFill>
+                  <a:srgbClr val="4D4D4D"/>
+                </a:solidFill>
+              </a:rPr>
+              <a:t>(</a:t>
+            </a:r>
+            <a:r>
+              <a:rPr lang="ko-KR" altLang="en-US" sz="1800" dirty="0">
+                <a:solidFill>
+                  <a:srgbClr val="4D4D4D"/>
+                </a:solidFill>
                 <a:latin typeface="굴림" panose="020B0600000101010101" pitchFamily="50" charset="-127"/>
               </a:rPr>
               <a:t>“</a:t>
             </a:r>
             <a:r>
-              <a:rPr lang="ko-KR" altLang="en-US" sz="1800">
+              <a:rPr lang="ko-KR" altLang="en-US" sz="1800" dirty="0">
                 <a:solidFill>
                   <a:srgbClr val="4D4D4D"/>
                 </a:solidFill>
@@ -16218,7 +17872,7 @@
               <a:t>배열</a:t>
             </a:r>
             <a:r>
-              <a:rPr lang="en-US" altLang="ko-KR" sz="1800">
+              <a:rPr lang="en-US" altLang="ko-KR" sz="1800" dirty="0">
                 <a:solidFill>
                   <a:srgbClr val="4D4D4D"/>
                 </a:solidFill>
@@ -16226,7 +17880,7 @@
               <a:t> </a:t>
             </a:r>
             <a:r>
-              <a:rPr lang="ko-KR" altLang="en-US" sz="1800">
+              <a:rPr lang="ko-KR" altLang="en-US" sz="1800" dirty="0">
                 <a:solidFill>
                   <a:srgbClr val="4D4D4D"/>
                 </a:solidFill>
@@ -16234,7 +17888,7 @@
               <a:t>범위</a:t>
             </a:r>
             <a:r>
-              <a:rPr lang="en-US" altLang="ko-KR" sz="1800">
+              <a:rPr lang="en-US" altLang="ko-KR" sz="1800" dirty="0">
                 <a:solidFill>
                   <a:srgbClr val="4D4D4D"/>
                 </a:solidFill>
@@ -16242,7 +17896,7 @@
               <a:t> </a:t>
             </a:r>
             <a:r>
-              <a:rPr lang="ko-KR" altLang="en-US" sz="1800">
+              <a:rPr lang="ko-KR" altLang="en-US" sz="1800" dirty="0">
                 <a:solidFill>
                   <a:srgbClr val="4D4D4D"/>
                 </a:solidFill>
@@ -16250,7 +17904,7 @@
               <a:t>초과</a:t>
             </a:r>
             <a:r>
-              <a:rPr lang="ko-KR" altLang="en-US" sz="1800">
+              <a:rPr lang="ko-KR" altLang="en-US" sz="1800" dirty="0">
                 <a:solidFill>
                   <a:srgbClr val="4D4D4D"/>
                 </a:solidFill>
@@ -16259,7 +17913,7 @@
               <a:t>”</a:t>
             </a:r>
             <a:r>
-              <a:rPr lang="en-US" altLang="ko-KR" sz="1800">
+              <a:rPr lang="en-US" altLang="ko-KR" sz="1800" dirty="0">
                 <a:solidFill>
                   <a:srgbClr val="4D4D4D"/>
                 </a:solidFill>
@@ -16267,7 +17921,7 @@
               <a:t>); // </a:t>
             </a:r>
             <a:r>
-              <a:rPr lang="ko-KR" altLang="en-US" sz="1800">
+              <a:rPr lang="ko-KR" altLang="en-US" sz="1800" dirty="0" err="1">
                 <a:solidFill>
                   <a:srgbClr val="4D4D4D"/>
                 </a:solidFill>
@@ -16275,7 +17929,7 @@
               <a:t>배열오류시</a:t>
             </a:r>
             <a:r>
-              <a:rPr lang="en-US" altLang="ko-KR" sz="1800">
+              <a:rPr lang="en-US" altLang="ko-KR" sz="1800" dirty="0">
                 <a:solidFill>
                   <a:srgbClr val="4D4D4D"/>
                 </a:solidFill>
@@ -16283,14 +17937,14 @@
               <a:t> </a:t>
             </a:r>
             <a:r>
-              <a:rPr lang="ko-KR" altLang="en-US" sz="1800">
+              <a:rPr lang="ko-KR" altLang="en-US" sz="1800" dirty="0">
                 <a:solidFill>
                   <a:srgbClr val="4D4D4D"/>
                 </a:solidFill>
               </a:rPr>
               <a:t>수행</a:t>
             </a:r>
-            <a:endParaRPr lang="en-US" altLang="ko-KR" sz="1800">
+            <a:endParaRPr lang="en-US" altLang="ko-KR" sz="1800" dirty="0">
               <a:solidFill>
                 <a:srgbClr val="4D4D4D"/>
               </a:solidFill>
@@ -16307,7 +17961,7 @@
               <a:buSzPct val="60000"/>
             </a:pPr>
             <a:r>
-              <a:rPr lang="en-US" altLang="ko-KR" sz="1800">
+              <a:rPr lang="en-US" altLang="ko-KR" sz="1800" dirty="0">
                 <a:solidFill>
                   <a:srgbClr val="4D4D4D"/>
                 </a:solidFill>
@@ -16315,7 +17969,7 @@
               <a:t>           </a:t>
             </a:r>
             <a:r>
-              <a:rPr lang="en-US" altLang="ko-KR" sz="1800">
+              <a:rPr lang="en-US" altLang="ko-KR" sz="1800" dirty="0">
                 <a:solidFill>
                   <a:srgbClr val="0066FF"/>
                 </a:solidFill>
@@ -16323,7 +17977,7 @@
               <a:t> break</a:t>
             </a:r>
             <a:r>
-              <a:rPr lang="en-US" altLang="ko-KR" sz="1800">
+              <a:rPr lang="en-US" altLang="ko-KR" sz="1800" dirty="0">
                 <a:solidFill>
                   <a:srgbClr val="4D4D4D"/>
                 </a:solidFill>
@@ -16331,7 +17985,7 @@
               <a:t>;	// </a:t>
             </a:r>
             <a:r>
-              <a:rPr lang="ko-KR" altLang="en-US" sz="1800">
+              <a:rPr lang="ko-KR" altLang="en-US" sz="1800" dirty="0">
                 <a:solidFill>
                   <a:srgbClr val="4D4D4D"/>
                 </a:solidFill>
@@ -16339,7 +17993,7 @@
               <a:t>정상</a:t>
             </a:r>
             <a:r>
-              <a:rPr lang="en-US" altLang="ko-KR" sz="1800">
+              <a:rPr lang="en-US" altLang="ko-KR" sz="1800" dirty="0">
                 <a:solidFill>
                   <a:srgbClr val="4D4D4D"/>
                 </a:solidFill>
@@ -16347,14 +18001,14 @@
               <a:t> </a:t>
             </a:r>
             <a:r>
-              <a:rPr lang="ko-KR" altLang="en-US" sz="1800">
+              <a:rPr lang="ko-KR" altLang="en-US" sz="1800" dirty="0">
                 <a:solidFill>
                   <a:srgbClr val="4D4D4D"/>
                 </a:solidFill>
               </a:rPr>
               <a:t>종료</a:t>
             </a:r>
-            <a:endParaRPr lang="en-US" altLang="ko-KR" sz="1800">
+            <a:endParaRPr lang="en-US" altLang="ko-KR" sz="1800" dirty="0">
               <a:solidFill>
                 <a:srgbClr val="4D4D4D"/>
               </a:solidFill>
@@ -16371,7 +18025,7 @@
               <a:buSzPct val="60000"/>
             </a:pPr>
             <a:r>
-              <a:rPr lang="en-US" altLang="ko-KR" sz="1800">
+              <a:rPr lang="en-US" altLang="ko-KR" sz="1800" dirty="0">
                 <a:solidFill>
                   <a:srgbClr val="4D4D4D"/>
                 </a:solidFill>
@@ -16379,7 +18033,7 @@
               <a:t>      }</a:t>
             </a:r>
             <a:r>
-              <a:rPr lang="en-US" altLang="ko-KR" sz="1800">
+              <a:rPr lang="en-US" altLang="ko-KR" sz="1800" dirty="0">
                 <a:solidFill>
                   <a:srgbClr val="CC3300"/>
                 </a:solidFill>
@@ -16387,7 +18041,7 @@
               <a:t> finally</a:t>
             </a:r>
             <a:r>
-              <a:rPr lang="en-US" altLang="ko-KR" sz="1800">
+              <a:rPr lang="en-US" altLang="ko-KR" sz="1800" dirty="0">
                 <a:solidFill>
                   <a:srgbClr val="4D4D4D"/>
                 </a:solidFill>
@@ -16406,23 +18060,39 @@
               <a:buSzPct val="60000"/>
             </a:pPr>
             <a:r>
-              <a:rPr lang="en-US" altLang="ko-KR" sz="1800">
+              <a:rPr lang="en-US" altLang="ko-KR" sz="1800" dirty="0">
                 <a:solidFill>
                   <a:srgbClr val="4D4D4D"/>
                 </a:solidFill>
               </a:rPr>
-              <a:t>	i++;	// try </a:t>
-            </a:r>
-            <a:r>
-              <a:rPr lang="ko-KR" altLang="en-US" sz="1800">
+              <a:t>	</a:t>
+            </a:r>
+            <a:r>
+              <a:rPr lang="en-US" altLang="ko-KR" sz="1800" dirty="0" err="1">
                 <a:solidFill>
                   <a:srgbClr val="4D4D4D"/>
                 </a:solidFill>
               </a:rPr>
+              <a:t>i</a:t>
+            </a:r>
+            <a:r>
+              <a:rPr lang="en-US" altLang="ko-KR" sz="1800" dirty="0">
+                <a:solidFill>
+                  <a:srgbClr val="4D4D4D"/>
+                </a:solidFill>
+              </a:rPr>
+              <a:t>++;	// try </a:t>
+            </a:r>
+            <a:r>
+              <a:rPr lang="ko-KR" altLang="en-US" sz="1800" dirty="0">
+                <a:solidFill>
+                  <a:srgbClr val="4D4D4D"/>
+                </a:solidFill>
+              </a:rPr>
               <a:t>문을</a:t>
             </a:r>
             <a:r>
-              <a:rPr lang="en-US" altLang="ko-KR" sz="1800">
+              <a:rPr lang="en-US" altLang="ko-KR" sz="1800" dirty="0">
                 <a:solidFill>
                   <a:srgbClr val="4D4D4D"/>
                 </a:solidFill>
@@ -16430,7 +18100,7 @@
               <a:t> </a:t>
             </a:r>
             <a:r>
-              <a:rPr lang="ko-KR" altLang="en-US" sz="1800">
+              <a:rPr lang="ko-KR" altLang="en-US" sz="1800" dirty="0">
                 <a:solidFill>
                   <a:srgbClr val="4D4D4D"/>
                 </a:solidFill>
@@ -16438,7 +18108,7 @@
               <a:t>실행할</a:t>
             </a:r>
             <a:r>
-              <a:rPr lang="en-US" altLang="ko-KR" sz="1800">
+              <a:rPr lang="en-US" altLang="ko-KR" sz="1800" dirty="0">
                 <a:solidFill>
                   <a:srgbClr val="4D4D4D"/>
                 </a:solidFill>
@@ -16446,7 +18116,7 @@
               <a:t> </a:t>
             </a:r>
             <a:r>
-              <a:rPr lang="ko-KR" altLang="en-US" sz="1800">
+              <a:rPr lang="ko-KR" altLang="en-US" sz="1800" dirty="0">
                 <a:solidFill>
                   <a:srgbClr val="4D4D4D"/>
                 </a:solidFill>
@@ -16454,7 +18124,7 @@
               <a:t>때마다</a:t>
             </a:r>
             <a:r>
-              <a:rPr lang="en-US" altLang="ko-KR" sz="1800">
+              <a:rPr lang="en-US" altLang="ko-KR" sz="1800" dirty="0">
                 <a:solidFill>
                   <a:srgbClr val="4D4D4D"/>
                 </a:solidFill>
@@ -16462,14 +18132,14 @@
               <a:t> </a:t>
             </a:r>
             <a:r>
-              <a:rPr lang="ko-KR" altLang="en-US" sz="1800">
+              <a:rPr lang="ko-KR" altLang="en-US" sz="1800" dirty="0">
                 <a:solidFill>
                   <a:srgbClr val="4D4D4D"/>
                 </a:solidFill>
               </a:rPr>
               <a:t>수행됨</a:t>
             </a:r>
-            <a:endParaRPr lang="en-US" altLang="ko-KR" sz="1800">
+            <a:endParaRPr lang="en-US" altLang="ko-KR" sz="1800" dirty="0">
               <a:solidFill>
                 <a:srgbClr val="4D4D4D"/>
               </a:solidFill>
@@ -16486,24 +18156,40 @@
               <a:buSzPct val="60000"/>
             </a:pPr>
             <a:r>
-              <a:rPr lang="en-US" altLang="ko-KR" sz="1800">
+              <a:rPr lang="en-US" altLang="ko-KR" sz="1800" dirty="0">
                 <a:solidFill>
                   <a:srgbClr val="4D4D4D"/>
                 </a:solidFill>
               </a:rPr>
-              <a:t>	system.out.println(</a:t>
-            </a:r>
-            <a:r>
-              <a:rPr lang="ko-KR" altLang="en-US" sz="1800">
+              <a:t>	</a:t>
+            </a:r>
+            <a:r>
+              <a:rPr lang="en-US" altLang="ko-KR" sz="1800" dirty="0" err="1">
                 <a:solidFill>
                   <a:srgbClr val="4D4D4D"/>
                 </a:solidFill>
+              </a:rPr>
+              <a:t>system.out.println</a:t>
+            </a:r>
+            <a:r>
+              <a:rPr lang="en-US" altLang="ko-KR" sz="1800" dirty="0">
+                <a:solidFill>
+                  <a:srgbClr val="4D4D4D"/>
+                </a:solidFill>
+              </a:rPr>
+              <a:t>(</a:t>
+            </a:r>
+            <a:r>
+              <a:rPr lang="ko-KR" altLang="en-US" sz="1800" dirty="0">
+                <a:solidFill>
+                  <a:srgbClr val="4D4D4D"/>
+                </a:solidFill>
                 <a:latin typeface="굴림" panose="020B0600000101010101" pitchFamily="50" charset="-127"/>
               </a:rPr>
               <a:t>“</a:t>
             </a:r>
             <a:r>
-              <a:rPr lang="ko-KR" altLang="en-US" sz="1800">
+              <a:rPr lang="ko-KR" altLang="en-US" sz="1800" dirty="0" err="1">
                 <a:solidFill>
                   <a:srgbClr val="4D4D4D"/>
                 </a:solidFill>
@@ -16511,7 +18197,7 @@
               <a:t>배열요소</a:t>
             </a:r>
             <a:r>
-              <a:rPr lang="en-US" altLang="ko-KR" sz="1800">
+              <a:rPr lang="en-US" altLang="ko-KR" sz="1800" dirty="0">
                 <a:solidFill>
                   <a:srgbClr val="4D4D4D"/>
                 </a:solidFill>
@@ -16519,7 +18205,7 @@
               <a:t> </a:t>
             </a:r>
             <a:r>
-              <a:rPr lang="ko-KR" altLang="en-US" sz="1800">
+              <a:rPr lang="ko-KR" altLang="en-US" sz="1800" dirty="0">
                 <a:solidFill>
                   <a:srgbClr val="4D4D4D"/>
                 </a:solidFill>
@@ -16527,29 +18213,61 @@
               <a:t>증가</a:t>
             </a:r>
             <a:r>
-              <a:rPr lang="en-US" altLang="ko-KR" sz="1800">
+              <a:rPr lang="en-US" altLang="ko-KR" sz="1800" dirty="0">
                 <a:solidFill>
                   <a:srgbClr val="4D4D4D"/>
                 </a:solidFill>
               </a:rPr>
-              <a:t> : i = </a:t>
-            </a:r>
-            <a:r>
-              <a:rPr lang="ko-KR" altLang="en-US" sz="1800">
+              <a:t> : </a:t>
+            </a:r>
+            <a:r>
+              <a:rPr lang="en-US" altLang="ko-KR" sz="1800" dirty="0" err="1">
                 <a:solidFill>
                   <a:srgbClr val="4D4D4D"/>
                 </a:solidFill>
+              </a:rPr>
+              <a:t>i</a:t>
+            </a:r>
+            <a:r>
+              <a:rPr lang="en-US" altLang="ko-KR" sz="1800" dirty="0">
+                <a:solidFill>
+                  <a:srgbClr val="4D4D4D"/>
+                </a:solidFill>
+              </a:rPr>
+              <a:t> = </a:t>
+            </a:r>
+            <a:r>
+              <a:rPr lang="ko-KR" altLang="en-US" sz="1800" dirty="0">
+                <a:solidFill>
+                  <a:srgbClr val="4D4D4D"/>
+                </a:solidFill>
                 <a:latin typeface="굴림" panose="020B0600000101010101" pitchFamily="50" charset="-127"/>
               </a:rPr>
               <a:t>”</a:t>
             </a:r>
             <a:r>
-              <a:rPr lang="en-US" altLang="ko-KR" sz="1800">
+              <a:rPr lang="en-US" altLang="ko-KR" sz="1800" dirty="0">
                 <a:solidFill>
                   <a:srgbClr val="4D4D4D"/>
                 </a:solidFill>
               </a:rPr>
-              <a:t> + i);</a:t>
+              <a:t> + </a:t>
+            </a:r>
+            <a:r>
+              <a:rPr lang="en-US" altLang="ko-KR" sz="1800" dirty="0" err="1">
+                <a:solidFill>
+                  <a:srgbClr val="4D4D4D"/>
+                </a:solidFill>
+              </a:rPr>
+              <a:t>i</a:t>
+            </a:r>
+            <a:r>
+              <a:rPr lang="en-US" altLang="ko-KR" sz="1800" dirty="0">
+                <a:solidFill>
+                  <a:srgbClr val="4D4D4D"/>
+                </a:solidFill>
+              </a:rPr>
+              <a:t>);</a:t>
             </a:r>
           </a:p>
           <a:p>
@@ -16563,7 +18281,7 @@
               <a:buSzPct val="60000"/>
             </a:pPr>
             <a:r>
-              <a:rPr lang="en-US" altLang="ko-KR" sz="1800">
+              <a:rPr lang="en-US" altLang="ko-KR" sz="1800" dirty="0">
                 <a:solidFill>
                   <a:srgbClr val="4D4D4D"/>
                 </a:solidFill>
@@ -16582,7 +18300,7 @@
               <a:buSzPct val="60000"/>
             </a:pPr>
             <a:r>
-              <a:rPr lang="en-US" altLang="ko-KR" sz="1800">
+              <a:rPr lang="en-US" altLang="ko-KR" sz="1800" dirty="0">
                 <a:solidFill>
                   <a:srgbClr val="4D4D4D"/>
                 </a:solidFill>
@@ -16590,7 +18308,7 @@
               <a:t>} </a:t>
             </a:r>
             <a:r>
-              <a:rPr lang="en-US" altLang="ko-KR" sz="1800">
+              <a:rPr lang="en-US" altLang="ko-KR" sz="1800" dirty="0">
                 <a:solidFill>
                   <a:srgbClr val="4D4D4D"/>
                 </a:solidFill>
@@ -16598,7 +18316,7 @@
               </a:rPr>
               <a:t>…</a:t>
             </a:r>
-            <a:endParaRPr lang="en-US" altLang="ko-KR" sz="1800">
+            <a:endParaRPr lang="en-US" altLang="ko-KR" sz="1800" dirty="0">
               <a:solidFill>
                 <a:srgbClr val="4D4D4D"/>
               </a:solidFill>
@@ -16645,1468 +18363,51 @@
       </p:grpSpPr>
       <p:sp>
         <p:nvSpPr>
-          <p:cNvPr id="32769" name="AutoShape 17"/>
+          <p:cNvPr id="5" name="제목 4"/>
           <p:cNvSpPr>
-            <a:spLocks noChangeArrowheads="1"/>
-          </p:cNvSpPr>
-          <p:nvPr/>
-        </p:nvSpPr>
-        <p:spPr bwMode="auto">
-          <a:xfrm>
-            <a:off x="2135189" y="2133601"/>
-            <a:ext cx="7705725" cy="3527425"/>
-          </a:xfrm>
-          <a:prstGeom prst="roundRect">
-            <a:avLst>
-              <a:gd name="adj" fmla="val 16667"/>
-            </a:avLst>
-          </a:prstGeom>
-          <a:solidFill>
-            <a:srgbClr val="FFFF99"/>
-          </a:solidFill>
-          <a:ln>
-            <a:noFill/>
-          </a:ln>
-          <a:extLst>
-            <a:ext uri="{91240B29-F687-4F45-9708-019B960494DF}">
-              <a14:hiddenLine xmlns:a14="http://schemas.microsoft.com/office/drawing/2010/main" w="9525">
-                <a:solidFill>
-                  <a:srgbClr val="000000"/>
-                </a:solidFill>
-                <a:round/>
-                <a:headEnd/>
-                <a:tailEnd/>
-              </a14:hiddenLine>
-            </a:ext>
-          </a:extLst>
-        </p:spPr>
-        <p:txBody>
-          <a:bodyPr wrap="none" anchor="ctr"/>
-          <a:lstStyle>
-            <a:lvl1pPr>
-              <a:defRPr kumimoji="1" sz="1600">
-                <a:solidFill>
-                  <a:schemeClr val="tx1"/>
-                </a:solidFill>
-                <a:latin typeface="HY울릉도M" panose="02030600000101010101" pitchFamily="18" charset="-127"/>
-                <a:ea typeface="HY울릉도M" panose="02030600000101010101" pitchFamily="18" charset="-127"/>
-              </a:defRPr>
-            </a:lvl1pPr>
-            <a:lvl2pPr marL="742950" indent="-285750">
-              <a:defRPr kumimoji="1" sz="1600">
-                <a:solidFill>
-                  <a:schemeClr val="tx1"/>
-                </a:solidFill>
-                <a:latin typeface="HY울릉도M" panose="02030600000101010101" pitchFamily="18" charset="-127"/>
-                <a:ea typeface="HY울릉도M" panose="02030600000101010101" pitchFamily="18" charset="-127"/>
-              </a:defRPr>
-            </a:lvl2pPr>
-            <a:lvl3pPr marL="1143000" indent="-228600">
-              <a:defRPr kumimoji="1" sz="1600">
-                <a:solidFill>
-                  <a:schemeClr val="tx1"/>
-                </a:solidFill>
-                <a:latin typeface="HY울릉도M" panose="02030600000101010101" pitchFamily="18" charset="-127"/>
-                <a:ea typeface="HY울릉도M" panose="02030600000101010101" pitchFamily="18" charset="-127"/>
-              </a:defRPr>
-            </a:lvl3pPr>
-            <a:lvl4pPr marL="1600200" indent="-228600">
-              <a:defRPr kumimoji="1" sz="1600">
-                <a:solidFill>
-                  <a:schemeClr val="tx1"/>
-                </a:solidFill>
-                <a:latin typeface="HY울릉도M" panose="02030600000101010101" pitchFamily="18" charset="-127"/>
-                <a:ea typeface="HY울릉도M" panose="02030600000101010101" pitchFamily="18" charset="-127"/>
-              </a:defRPr>
-            </a:lvl4pPr>
-            <a:lvl5pPr marL="2057400" indent="-228600">
-              <a:defRPr kumimoji="1" sz="1600">
-                <a:solidFill>
-                  <a:schemeClr val="tx1"/>
-                </a:solidFill>
-                <a:latin typeface="HY울릉도M" panose="02030600000101010101" pitchFamily="18" charset="-127"/>
-                <a:ea typeface="HY울릉도M" panose="02030600000101010101" pitchFamily="18" charset="-127"/>
-              </a:defRPr>
-            </a:lvl5pPr>
-            <a:lvl6pPr marL="2514600" indent="-228600" eaLnBrk="0" fontAlgn="base" hangingPunct="0">
-              <a:spcBef>
-                <a:spcPct val="0"/>
-              </a:spcBef>
-              <a:spcAft>
-                <a:spcPct val="0"/>
-              </a:spcAft>
-              <a:buFont typeface="Wingdings" panose="05000000000000000000" pitchFamily="2" charset="2"/>
-              <a:defRPr kumimoji="1" sz="1600">
-                <a:solidFill>
-                  <a:schemeClr val="tx1"/>
-                </a:solidFill>
-                <a:latin typeface="HY울릉도M" panose="02030600000101010101" pitchFamily="18" charset="-127"/>
-                <a:ea typeface="HY울릉도M" panose="02030600000101010101" pitchFamily="18" charset="-127"/>
-              </a:defRPr>
-            </a:lvl6pPr>
-            <a:lvl7pPr marL="2971800" indent="-228600" eaLnBrk="0" fontAlgn="base" hangingPunct="0">
-              <a:spcBef>
-                <a:spcPct val="0"/>
-              </a:spcBef>
-              <a:spcAft>
-                <a:spcPct val="0"/>
-              </a:spcAft>
-              <a:buFont typeface="Wingdings" panose="05000000000000000000" pitchFamily="2" charset="2"/>
-              <a:defRPr kumimoji="1" sz="1600">
-                <a:solidFill>
-                  <a:schemeClr val="tx1"/>
-                </a:solidFill>
-                <a:latin typeface="HY울릉도M" panose="02030600000101010101" pitchFamily="18" charset="-127"/>
-                <a:ea typeface="HY울릉도M" panose="02030600000101010101" pitchFamily="18" charset="-127"/>
-              </a:defRPr>
-            </a:lvl7pPr>
-            <a:lvl8pPr marL="3429000" indent="-228600" eaLnBrk="0" fontAlgn="base" hangingPunct="0">
-              <a:spcBef>
-                <a:spcPct val="0"/>
-              </a:spcBef>
-              <a:spcAft>
-                <a:spcPct val="0"/>
-              </a:spcAft>
-              <a:buFont typeface="Wingdings" panose="05000000000000000000" pitchFamily="2" charset="2"/>
-              <a:defRPr kumimoji="1" sz="1600">
-                <a:solidFill>
-                  <a:schemeClr val="tx1"/>
-                </a:solidFill>
-                <a:latin typeface="HY울릉도M" panose="02030600000101010101" pitchFamily="18" charset="-127"/>
-                <a:ea typeface="HY울릉도M" panose="02030600000101010101" pitchFamily="18" charset="-127"/>
-              </a:defRPr>
-            </a:lvl8pPr>
-            <a:lvl9pPr marL="3886200" indent="-228600" eaLnBrk="0" fontAlgn="base" hangingPunct="0">
-              <a:spcBef>
-                <a:spcPct val="0"/>
-              </a:spcBef>
-              <a:spcAft>
-                <a:spcPct val="0"/>
-              </a:spcAft>
-              <a:buFont typeface="Wingdings" panose="05000000000000000000" pitchFamily="2" charset="2"/>
-              <a:defRPr kumimoji="1" sz="1600">
-                <a:solidFill>
-                  <a:schemeClr val="tx1"/>
-                </a:solidFill>
-                <a:latin typeface="HY울릉도M" panose="02030600000101010101" pitchFamily="18" charset="-127"/>
-                <a:ea typeface="HY울릉도M" panose="02030600000101010101" pitchFamily="18" charset="-127"/>
-              </a:defRPr>
-            </a:lvl9pPr>
-          </a:lstStyle>
-          <a:p>
-            <a:endParaRPr lang="en-US" altLang="ko-KR"/>
-          </a:p>
-        </p:txBody>
-      </p:sp>
-      <p:sp>
-        <p:nvSpPr>
-          <p:cNvPr id="32770" name="Rectangle 2"/>
-          <p:cNvSpPr>
-            <a:spLocks noGrp="1" noChangeArrowheads="1"/>
+            <a:spLocks noGrp="1"/>
           </p:cNvSpPr>
           <p:nvPr>
             <p:ph type="title"/>
           </p:nvPr>
         </p:nvSpPr>
-        <p:spPr>
-          <a:xfrm>
-            <a:off x="1981200" y="277814"/>
-            <a:ext cx="8229600" cy="630237"/>
-          </a:xfrm>
-          <a:noFill/>
-        </p:spPr>
+        <p:spPr/>
         <p:txBody>
           <a:bodyPr/>
           <a:lstStyle/>
           <a:p>
-            <a:pPr eaLnBrk="1" hangingPunct="1"/>
-            <a:r>
-              <a:rPr lang="ko-KR" altLang="en-US" sz="3200" b="1">
-                <a:solidFill>
-                  <a:srgbClr val="663300"/>
-                </a:solidFill>
-                <a:latin typeface="HY울릉도M" panose="02030600000101010101" pitchFamily="18" charset="-127"/>
-                <a:ea typeface="HY울릉도M" panose="02030600000101010101" pitchFamily="18" charset="-127"/>
-              </a:rPr>
-              <a:t>예외의</a:t>
-            </a:r>
-            <a:r>
-              <a:rPr lang="en-US" altLang="ko-KR" sz="3200" b="1">
-                <a:solidFill>
-                  <a:srgbClr val="663300"/>
-                </a:solidFill>
-                <a:latin typeface="HY울릉도M" panose="02030600000101010101" pitchFamily="18" charset="-127"/>
-                <a:ea typeface="HY울릉도M" panose="02030600000101010101" pitchFamily="18" charset="-127"/>
-              </a:rPr>
-              <a:t> </a:t>
-            </a:r>
-            <a:r>
-              <a:rPr lang="ko-KR" altLang="en-US" sz="3200" b="1">
-                <a:solidFill>
-                  <a:srgbClr val="663300"/>
-                </a:solidFill>
-                <a:latin typeface="HY울릉도M" panose="02030600000101010101" pitchFamily="18" charset="-127"/>
-                <a:ea typeface="HY울릉도M" panose="02030600000101010101" pitchFamily="18" charset="-127"/>
-              </a:rPr>
-              <a:t>전파속성</a:t>
-            </a:r>
-            <a:endParaRPr lang="en-US" altLang="ko-KR" sz="3200" b="1">
-              <a:solidFill>
-                <a:srgbClr val="663300"/>
-              </a:solidFill>
-              <a:latin typeface="HY울릉도M" panose="02030600000101010101" pitchFamily="18" charset="-127"/>
-              <a:ea typeface="HY울릉도M" panose="02030600000101010101" pitchFamily="18" charset="-127"/>
-            </a:endParaRPr>
+            <a:endParaRPr lang="ko-KR" altLang="en-US"/>
           </a:p>
         </p:txBody>
       </p:sp>
-      <p:sp>
-        <p:nvSpPr>
-          <p:cNvPr id="32771" name="Rectangle 5"/>
-          <p:cNvSpPr>
-            <a:spLocks noChangeArrowheads="1"/>
-          </p:cNvSpPr>
+      <p:pic>
+        <p:nvPicPr>
+          <p:cNvPr id="4" name="그림 3"/>
+          <p:cNvPicPr>
+            <a:picLocks noChangeAspect="1"/>
+          </p:cNvPicPr>
           <p:nvPr/>
-        </p:nvSpPr>
-        <p:spPr bwMode="auto">
+        </p:nvPicPr>
+        <p:blipFill>
+          <a:blip r:embed="rId2"/>
+          <a:stretch>
+            <a:fillRect/>
+          </a:stretch>
+        </p:blipFill>
+        <p:spPr>
           <a:xfrm>
-            <a:off x="2566988" y="2060576"/>
-            <a:ext cx="6481762" cy="3108325"/>
+            <a:off x="2293692" y="623888"/>
+            <a:ext cx="6848475" cy="5553075"/>
           </a:xfrm>
           <a:prstGeom prst="rect">
             <a:avLst/>
           </a:prstGeom>
-          <a:noFill/>
-          <a:ln>
-            <a:noFill/>
-          </a:ln>
-          <a:extLst>
-            <a:ext uri="{909E8E84-426E-40DD-AFC4-6F175D3DCCD1}">
-              <a14:hiddenFill xmlns:a14="http://schemas.microsoft.com/office/drawing/2010/main">
-                <a:solidFill>
-                  <a:srgbClr val="FFFFFF"/>
-                </a:solidFill>
-              </a14:hiddenFill>
-            </a:ext>
-            <a:ext uri="{91240B29-F687-4F45-9708-019B960494DF}">
-              <a14:hiddenLine xmlns:a14="http://schemas.microsoft.com/office/drawing/2010/main" w="9525">
-                <a:solidFill>
-                  <a:srgbClr val="000000"/>
-                </a:solidFill>
-                <a:miter lim="800000"/>
-                <a:headEnd/>
-                <a:tailEnd/>
-              </a14:hiddenLine>
-            </a:ext>
-          </a:extLst>
-        </p:spPr>
-        <p:txBody>
-          <a:bodyPr>
-            <a:spAutoFit/>
-          </a:bodyPr>
-          <a:lstStyle>
-            <a:lvl1pPr>
-              <a:defRPr kumimoji="1" sz="1600">
-                <a:solidFill>
-                  <a:schemeClr val="tx1"/>
-                </a:solidFill>
-                <a:latin typeface="HY울릉도M" panose="02030600000101010101" pitchFamily="18" charset="-127"/>
-                <a:ea typeface="HY울릉도M" panose="02030600000101010101" pitchFamily="18" charset="-127"/>
-              </a:defRPr>
-            </a:lvl1pPr>
-            <a:lvl2pPr marL="742950" indent="-285750">
-              <a:defRPr kumimoji="1" sz="1600">
-                <a:solidFill>
-                  <a:schemeClr val="tx1"/>
-                </a:solidFill>
-                <a:latin typeface="HY울릉도M" panose="02030600000101010101" pitchFamily="18" charset="-127"/>
-                <a:ea typeface="HY울릉도M" panose="02030600000101010101" pitchFamily="18" charset="-127"/>
-              </a:defRPr>
-            </a:lvl2pPr>
-            <a:lvl3pPr marL="1143000" indent="-228600">
-              <a:defRPr kumimoji="1" sz="1600">
-                <a:solidFill>
-                  <a:schemeClr val="tx1"/>
-                </a:solidFill>
-                <a:latin typeface="HY울릉도M" panose="02030600000101010101" pitchFamily="18" charset="-127"/>
-                <a:ea typeface="HY울릉도M" panose="02030600000101010101" pitchFamily="18" charset="-127"/>
-              </a:defRPr>
-            </a:lvl3pPr>
-            <a:lvl4pPr marL="1600200" indent="-228600">
-              <a:defRPr kumimoji="1" sz="1600">
-                <a:solidFill>
-                  <a:schemeClr val="tx1"/>
-                </a:solidFill>
-                <a:latin typeface="HY울릉도M" panose="02030600000101010101" pitchFamily="18" charset="-127"/>
-                <a:ea typeface="HY울릉도M" panose="02030600000101010101" pitchFamily="18" charset="-127"/>
-              </a:defRPr>
-            </a:lvl4pPr>
-            <a:lvl5pPr marL="2057400" indent="-228600">
-              <a:defRPr kumimoji="1" sz="1600">
-                <a:solidFill>
-                  <a:schemeClr val="tx1"/>
-                </a:solidFill>
-                <a:latin typeface="HY울릉도M" panose="02030600000101010101" pitchFamily="18" charset="-127"/>
-                <a:ea typeface="HY울릉도M" panose="02030600000101010101" pitchFamily="18" charset="-127"/>
-              </a:defRPr>
-            </a:lvl5pPr>
-            <a:lvl6pPr marL="2514600" indent="-228600" eaLnBrk="0" fontAlgn="base" hangingPunct="0">
-              <a:spcBef>
-                <a:spcPct val="0"/>
-              </a:spcBef>
-              <a:spcAft>
-                <a:spcPct val="0"/>
-              </a:spcAft>
-              <a:buFont typeface="Wingdings" panose="05000000000000000000" pitchFamily="2" charset="2"/>
-              <a:defRPr kumimoji="1" sz="1600">
-                <a:solidFill>
-                  <a:schemeClr val="tx1"/>
-                </a:solidFill>
-                <a:latin typeface="HY울릉도M" panose="02030600000101010101" pitchFamily="18" charset="-127"/>
-                <a:ea typeface="HY울릉도M" panose="02030600000101010101" pitchFamily="18" charset="-127"/>
-              </a:defRPr>
-            </a:lvl6pPr>
-            <a:lvl7pPr marL="2971800" indent="-228600" eaLnBrk="0" fontAlgn="base" hangingPunct="0">
-              <a:spcBef>
-                <a:spcPct val="0"/>
-              </a:spcBef>
-              <a:spcAft>
-                <a:spcPct val="0"/>
-              </a:spcAft>
-              <a:buFont typeface="Wingdings" panose="05000000000000000000" pitchFamily="2" charset="2"/>
-              <a:defRPr kumimoji="1" sz="1600">
-                <a:solidFill>
-                  <a:schemeClr val="tx1"/>
-                </a:solidFill>
-                <a:latin typeface="HY울릉도M" panose="02030600000101010101" pitchFamily="18" charset="-127"/>
-                <a:ea typeface="HY울릉도M" panose="02030600000101010101" pitchFamily="18" charset="-127"/>
-              </a:defRPr>
-            </a:lvl7pPr>
-            <a:lvl8pPr marL="3429000" indent="-228600" eaLnBrk="0" fontAlgn="base" hangingPunct="0">
-              <a:spcBef>
-                <a:spcPct val="0"/>
-              </a:spcBef>
-              <a:spcAft>
-                <a:spcPct val="0"/>
-              </a:spcAft>
-              <a:buFont typeface="Wingdings" panose="05000000000000000000" pitchFamily="2" charset="2"/>
-              <a:defRPr kumimoji="1" sz="1600">
-                <a:solidFill>
-                  <a:schemeClr val="tx1"/>
-                </a:solidFill>
-                <a:latin typeface="HY울릉도M" panose="02030600000101010101" pitchFamily="18" charset="-127"/>
-                <a:ea typeface="HY울릉도M" panose="02030600000101010101" pitchFamily="18" charset="-127"/>
-              </a:defRPr>
-            </a:lvl8pPr>
-            <a:lvl9pPr marL="3886200" indent="-228600" eaLnBrk="0" fontAlgn="base" hangingPunct="0">
-              <a:spcBef>
-                <a:spcPct val="0"/>
-              </a:spcBef>
-              <a:spcAft>
-                <a:spcPct val="0"/>
-              </a:spcAft>
-              <a:buFont typeface="Wingdings" panose="05000000000000000000" pitchFamily="2" charset="2"/>
-              <a:defRPr kumimoji="1" sz="1600">
-                <a:solidFill>
-                  <a:schemeClr val="tx1"/>
-                </a:solidFill>
-                <a:latin typeface="HY울릉도M" panose="02030600000101010101" pitchFamily="18" charset="-127"/>
-                <a:ea typeface="HY울릉도M" panose="02030600000101010101" pitchFamily="18" charset="-127"/>
-              </a:defRPr>
-            </a:lvl9pPr>
-          </a:lstStyle>
-          <a:p>
-            <a:r>
-              <a:rPr lang="en-US" altLang="ko-KR" sz="1400"/>
-              <a:t>class Exception4</a:t>
-            </a:r>
-          </a:p>
-          <a:p>
-            <a:r>
-              <a:rPr lang="en-US" altLang="ko-KR" sz="1400"/>
-              <a:t>{</a:t>
-            </a:r>
-          </a:p>
-          <a:p>
-            <a:r>
-              <a:rPr lang="en-US" altLang="ko-KR" sz="1400"/>
-              <a:t>   public static void main(String args[]) {</a:t>
-            </a:r>
-          </a:p>
-          <a:p>
-            <a:r>
-              <a:rPr lang="en-US" altLang="ko-KR" sz="1400"/>
-              <a:t>	  </a:t>
-            </a:r>
-            <a:r>
-              <a:rPr lang="en-US" altLang="ko-KR" sz="1400">
-                <a:solidFill>
-                  <a:srgbClr val="CC3300"/>
-                </a:solidFill>
-              </a:rPr>
-              <a:t>method1();</a:t>
-            </a:r>
-          </a:p>
-          <a:p>
-            <a:r>
-              <a:rPr lang="en-US" altLang="ko-KR" sz="1400"/>
-              <a:t>   }</a:t>
-            </a:r>
-          </a:p>
-          <a:p>
-            <a:r>
-              <a:rPr lang="en-US" altLang="ko-KR" sz="1400"/>
-              <a:t>   static void method1() {</a:t>
-            </a:r>
-          </a:p>
-          <a:p>
-            <a:r>
-              <a:rPr lang="en-US" altLang="ko-KR" sz="1400"/>
-              <a:t>	  </a:t>
-            </a:r>
-            <a:r>
-              <a:rPr lang="en-US" altLang="ko-KR" sz="1400">
-                <a:solidFill>
-                  <a:srgbClr val="CC3300"/>
-                </a:solidFill>
-              </a:rPr>
-              <a:t>method2();      // (2) </a:t>
-            </a:r>
-            <a:r>
-              <a:rPr lang="ko-KR" altLang="en-US" sz="1400">
-                <a:solidFill>
-                  <a:srgbClr val="CC3300"/>
-                </a:solidFill>
-              </a:rPr>
-              <a:t>오류</a:t>
-            </a:r>
-            <a:r>
-              <a:rPr lang="en-US" altLang="ko-KR" sz="1400">
-                <a:solidFill>
-                  <a:srgbClr val="CC3300"/>
-                </a:solidFill>
-              </a:rPr>
-              <a:t> </a:t>
-            </a:r>
-            <a:r>
-              <a:rPr lang="ko-KR" altLang="en-US" sz="1400">
-                <a:solidFill>
-                  <a:srgbClr val="CC3300"/>
-                </a:solidFill>
-              </a:rPr>
-              <a:t>전파</a:t>
-            </a:r>
-            <a:r>
-              <a:rPr lang="en-US" altLang="ko-KR" sz="1400">
-                <a:solidFill>
-                  <a:srgbClr val="CC3300"/>
-                </a:solidFill>
-              </a:rPr>
-              <a:t> : main()</a:t>
-            </a:r>
-            <a:r>
-              <a:rPr lang="ko-KR" altLang="en-US" sz="1400">
-                <a:solidFill>
-                  <a:srgbClr val="CC3300"/>
-                </a:solidFill>
-              </a:rPr>
-              <a:t>으로</a:t>
-            </a:r>
-            <a:r>
-              <a:rPr lang="en-US" altLang="ko-KR" sz="1400">
-                <a:solidFill>
-                  <a:srgbClr val="CC3300"/>
-                </a:solidFill>
-              </a:rPr>
-              <a:t> </a:t>
-            </a:r>
-            <a:r>
-              <a:rPr lang="ko-KR" altLang="en-US" sz="1400">
-                <a:solidFill>
-                  <a:srgbClr val="CC3300"/>
-                </a:solidFill>
-              </a:rPr>
-              <a:t>전파</a:t>
-            </a:r>
-            <a:endParaRPr lang="en-US" altLang="ko-KR" sz="1400">
-              <a:solidFill>
-                <a:srgbClr val="CC3300"/>
-              </a:solidFill>
-            </a:endParaRPr>
-          </a:p>
-          <a:p>
-            <a:r>
-              <a:rPr lang="en-US" altLang="ko-KR" sz="1400"/>
-              <a:t>   }</a:t>
-            </a:r>
-          </a:p>
-          <a:p>
-            <a:r>
-              <a:rPr lang="en-US" altLang="ko-KR" sz="1400"/>
-              <a:t>   static void method2(){</a:t>
-            </a:r>
-          </a:p>
-          <a:p>
-            <a:r>
-              <a:rPr lang="en-US" altLang="ko-KR" sz="1400"/>
-              <a:t>	  int i = 5; int j = 0;</a:t>
-            </a:r>
-          </a:p>
-          <a:p>
-            <a:r>
-              <a:rPr lang="en-US" altLang="ko-KR" sz="1400"/>
-              <a:t>	  </a:t>
-            </a:r>
-            <a:r>
-              <a:rPr lang="en-US" altLang="ko-KR" sz="1400">
-                <a:solidFill>
-                  <a:srgbClr val="CC3300"/>
-                </a:solidFill>
-              </a:rPr>
-              <a:t>int k = i / j;     // (1) </a:t>
-            </a:r>
-            <a:r>
-              <a:rPr lang="ko-KR" altLang="en-US" sz="1400">
-                <a:solidFill>
-                  <a:srgbClr val="CC3300"/>
-                </a:solidFill>
-              </a:rPr>
-              <a:t>오류발생</a:t>
-            </a:r>
-            <a:r>
-              <a:rPr lang="en-US" altLang="ko-KR" sz="1400">
-                <a:solidFill>
-                  <a:srgbClr val="CC3300"/>
-                </a:solidFill>
-              </a:rPr>
-              <a:t> : method1()</a:t>
-            </a:r>
-            <a:r>
-              <a:rPr lang="ko-KR" altLang="en-US" sz="1400">
-                <a:solidFill>
-                  <a:srgbClr val="CC3300"/>
-                </a:solidFill>
-              </a:rPr>
-              <a:t>으로</a:t>
-            </a:r>
-            <a:r>
-              <a:rPr lang="en-US" altLang="ko-KR" sz="1400">
-                <a:solidFill>
-                  <a:srgbClr val="CC3300"/>
-                </a:solidFill>
-              </a:rPr>
-              <a:t> </a:t>
-            </a:r>
-            <a:r>
-              <a:rPr lang="ko-KR" altLang="en-US" sz="1400">
-                <a:solidFill>
-                  <a:srgbClr val="CC3300"/>
-                </a:solidFill>
-              </a:rPr>
-              <a:t>전파</a:t>
-            </a:r>
-            <a:endParaRPr lang="en-US" altLang="ko-KR" sz="1400">
-              <a:solidFill>
-                <a:srgbClr val="CC3300"/>
-              </a:solidFill>
-            </a:endParaRPr>
-          </a:p>
-          <a:p>
-            <a:r>
-              <a:rPr lang="en-US" altLang="ko-KR" sz="1400"/>
-              <a:t>	  System.out.println("k = " + k);</a:t>
-            </a:r>
-          </a:p>
-          <a:p>
-            <a:r>
-              <a:rPr lang="en-US" altLang="ko-KR" sz="1400"/>
-              <a:t>   }</a:t>
-            </a:r>
-          </a:p>
-          <a:p>
-            <a:r>
-              <a:rPr lang="en-US" altLang="ko-KR" sz="1400"/>
-              <a:t>}</a:t>
-            </a:r>
-          </a:p>
-        </p:txBody>
-      </p:sp>
-      <p:sp>
-        <p:nvSpPr>
-          <p:cNvPr id="32772" name="Rectangle 6"/>
-          <p:cNvSpPr>
-            <a:spLocks noChangeArrowheads="1"/>
-          </p:cNvSpPr>
-          <p:nvPr/>
-        </p:nvSpPr>
-        <p:spPr bwMode="auto">
-          <a:xfrm>
-            <a:off x="4511676" y="5589589"/>
-            <a:ext cx="5510213" cy="1069975"/>
-          </a:xfrm>
-          <a:prstGeom prst="rect">
-            <a:avLst/>
-          </a:prstGeom>
-          <a:noFill/>
-          <a:ln>
-            <a:noFill/>
-          </a:ln>
-          <a:extLst>
-            <a:ext uri="{909E8E84-426E-40DD-AFC4-6F175D3DCCD1}">
-              <a14:hiddenFill xmlns:a14="http://schemas.microsoft.com/office/drawing/2010/main">
-                <a:solidFill>
-                  <a:srgbClr val="FFFFFF"/>
-                </a:solidFill>
-              </a14:hiddenFill>
-            </a:ext>
-            <a:ext uri="{91240B29-F687-4F45-9708-019B960494DF}">
-              <a14:hiddenLine xmlns:a14="http://schemas.microsoft.com/office/drawing/2010/main" w="9525">
-                <a:solidFill>
-                  <a:srgbClr val="000000"/>
-                </a:solidFill>
-                <a:miter lim="800000"/>
-                <a:headEnd/>
-                <a:tailEnd/>
-              </a14:hiddenLine>
-            </a:ext>
-          </a:extLst>
-        </p:spPr>
-        <p:txBody>
-          <a:bodyPr>
-            <a:spAutoFit/>
-          </a:bodyPr>
-          <a:lstStyle>
-            <a:lvl1pPr>
-              <a:defRPr kumimoji="1" sz="1600">
-                <a:solidFill>
-                  <a:schemeClr val="tx1"/>
-                </a:solidFill>
-                <a:latin typeface="HY울릉도M" panose="02030600000101010101" pitchFamily="18" charset="-127"/>
-                <a:ea typeface="HY울릉도M" panose="02030600000101010101" pitchFamily="18" charset="-127"/>
-              </a:defRPr>
-            </a:lvl1pPr>
-            <a:lvl2pPr marL="742950" indent="-285750">
-              <a:defRPr kumimoji="1" sz="1600">
-                <a:solidFill>
-                  <a:schemeClr val="tx1"/>
-                </a:solidFill>
-                <a:latin typeface="HY울릉도M" panose="02030600000101010101" pitchFamily="18" charset="-127"/>
-                <a:ea typeface="HY울릉도M" panose="02030600000101010101" pitchFamily="18" charset="-127"/>
-              </a:defRPr>
-            </a:lvl2pPr>
-            <a:lvl3pPr marL="1143000" indent="-228600">
-              <a:defRPr kumimoji="1" sz="1600">
-                <a:solidFill>
-                  <a:schemeClr val="tx1"/>
-                </a:solidFill>
-                <a:latin typeface="HY울릉도M" panose="02030600000101010101" pitchFamily="18" charset="-127"/>
-                <a:ea typeface="HY울릉도M" panose="02030600000101010101" pitchFamily="18" charset="-127"/>
-              </a:defRPr>
-            </a:lvl3pPr>
-            <a:lvl4pPr marL="1600200" indent="-228600">
-              <a:defRPr kumimoji="1" sz="1600">
-                <a:solidFill>
-                  <a:schemeClr val="tx1"/>
-                </a:solidFill>
-                <a:latin typeface="HY울릉도M" panose="02030600000101010101" pitchFamily="18" charset="-127"/>
-                <a:ea typeface="HY울릉도M" panose="02030600000101010101" pitchFamily="18" charset="-127"/>
-              </a:defRPr>
-            </a:lvl4pPr>
-            <a:lvl5pPr marL="2057400" indent="-228600">
-              <a:defRPr kumimoji="1" sz="1600">
-                <a:solidFill>
-                  <a:schemeClr val="tx1"/>
-                </a:solidFill>
-                <a:latin typeface="HY울릉도M" panose="02030600000101010101" pitchFamily="18" charset="-127"/>
-                <a:ea typeface="HY울릉도M" panose="02030600000101010101" pitchFamily="18" charset="-127"/>
-              </a:defRPr>
-            </a:lvl5pPr>
-            <a:lvl6pPr marL="2514600" indent="-228600" eaLnBrk="0" fontAlgn="base" hangingPunct="0">
-              <a:spcBef>
-                <a:spcPct val="0"/>
-              </a:spcBef>
-              <a:spcAft>
-                <a:spcPct val="0"/>
-              </a:spcAft>
-              <a:buFont typeface="Wingdings" panose="05000000000000000000" pitchFamily="2" charset="2"/>
-              <a:defRPr kumimoji="1" sz="1600">
-                <a:solidFill>
-                  <a:schemeClr val="tx1"/>
-                </a:solidFill>
-                <a:latin typeface="HY울릉도M" panose="02030600000101010101" pitchFamily="18" charset="-127"/>
-                <a:ea typeface="HY울릉도M" panose="02030600000101010101" pitchFamily="18" charset="-127"/>
-              </a:defRPr>
-            </a:lvl6pPr>
-            <a:lvl7pPr marL="2971800" indent="-228600" eaLnBrk="0" fontAlgn="base" hangingPunct="0">
-              <a:spcBef>
-                <a:spcPct val="0"/>
-              </a:spcBef>
-              <a:spcAft>
-                <a:spcPct val="0"/>
-              </a:spcAft>
-              <a:buFont typeface="Wingdings" panose="05000000000000000000" pitchFamily="2" charset="2"/>
-              <a:defRPr kumimoji="1" sz="1600">
-                <a:solidFill>
-                  <a:schemeClr val="tx1"/>
-                </a:solidFill>
-                <a:latin typeface="HY울릉도M" panose="02030600000101010101" pitchFamily="18" charset="-127"/>
-                <a:ea typeface="HY울릉도M" panose="02030600000101010101" pitchFamily="18" charset="-127"/>
-              </a:defRPr>
-            </a:lvl7pPr>
-            <a:lvl8pPr marL="3429000" indent="-228600" eaLnBrk="0" fontAlgn="base" hangingPunct="0">
-              <a:spcBef>
-                <a:spcPct val="0"/>
-              </a:spcBef>
-              <a:spcAft>
-                <a:spcPct val="0"/>
-              </a:spcAft>
-              <a:buFont typeface="Wingdings" panose="05000000000000000000" pitchFamily="2" charset="2"/>
-              <a:defRPr kumimoji="1" sz="1600">
-                <a:solidFill>
-                  <a:schemeClr val="tx1"/>
-                </a:solidFill>
-                <a:latin typeface="HY울릉도M" panose="02030600000101010101" pitchFamily="18" charset="-127"/>
-                <a:ea typeface="HY울릉도M" panose="02030600000101010101" pitchFamily="18" charset="-127"/>
-              </a:defRPr>
-            </a:lvl8pPr>
-            <a:lvl9pPr marL="3886200" indent="-228600" eaLnBrk="0" fontAlgn="base" hangingPunct="0">
-              <a:spcBef>
-                <a:spcPct val="0"/>
-              </a:spcBef>
-              <a:spcAft>
-                <a:spcPct val="0"/>
-              </a:spcAft>
-              <a:buFont typeface="Wingdings" panose="05000000000000000000" pitchFamily="2" charset="2"/>
-              <a:defRPr kumimoji="1" sz="1600">
-                <a:solidFill>
-                  <a:schemeClr val="tx1"/>
-                </a:solidFill>
-                <a:latin typeface="HY울릉도M" panose="02030600000101010101" pitchFamily="18" charset="-127"/>
-                <a:ea typeface="HY울릉도M" panose="02030600000101010101" pitchFamily="18" charset="-127"/>
-              </a:defRPr>
-            </a:lvl9pPr>
-          </a:lstStyle>
-          <a:p>
-            <a:r>
-              <a:rPr lang="en-US" altLang="ko-KR"/>
-              <a:t>Java.lang.ArithematicException : / by zero</a:t>
-            </a:r>
-          </a:p>
-          <a:p>
-            <a:r>
-              <a:rPr lang="en-US" altLang="ko-KR"/>
-              <a:t>At Exception4.method2 Exception4.java.11&gt;</a:t>
-            </a:r>
-          </a:p>
-          <a:p>
-            <a:r>
-              <a:rPr lang="en-US" altLang="ko-KR"/>
-              <a:t>At Exception4.method1 Exception4.java.7&gt;</a:t>
-            </a:r>
-          </a:p>
-          <a:p>
-            <a:r>
-              <a:rPr lang="en-US" altLang="ko-KR"/>
-              <a:t>At Exception4.main Exception4.java.4&gt;</a:t>
-            </a:r>
-          </a:p>
-        </p:txBody>
-      </p:sp>
-      <p:sp>
-        <p:nvSpPr>
-          <p:cNvPr id="32773" name="Rectangle 9"/>
-          <p:cNvSpPr>
-            <a:spLocks noChangeArrowheads="1"/>
-          </p:cNvSpPr>
-          <p:nvPr/>
-        </p:nvSpPr>
-        <p:spPr bwMode="auto">
-          <a:xfrm>
-            <a:off x="2295526" y="5667376"/>
-            <a:ext cx="1965325" cy="360363"/>
-          </a:xfrm>
-          <a:prstGeom prst="rect">
-            <a:avLst/>
-          </a:prstGeom>
-          <a:noFill/>
-          <a:ln>
-            <a:noFill/>
-          </a:ln>
-          <a:extLst>
-            <a:ext uri="{909E8E84-426E-40DD-AFC4-6F175D3DCCD1}">
-              <a14:hiddenFill xmlns:a14="http://schemas.microsoft.com/office/drawing/2010/main">
-                <a:solidFill>
-                  <a:srgbClr val="FFFFFF"/>
-                </a:solidFill>
-              </a14:hiddenFill>
-            </a:ext>
-            <a:ext uri="{91240B29-F687-4F45-9708-019B960494DF}">
-              <a14:hiddenLine xmlns:a14="http://schemas.microsoft.com/office/drawing/2010/main" w="9525">
-                <a:solidFill>
-                  <a:srgbClr val="000000"/>
-                </a:solidFill>
-                <a:miter lim="800000"/>
-                <a:headEnd/>
-                <a:tailEnd/>
-              </a14:hiddenLine>
-            </a:ext>
-          </a:extLst>
-        </p:spPr>
-        <p:txBody>
-          <a:bodyPr/>
-          <a:lstStyle>
-            <a:lvl1pPr marL="342900" indent="-342900">
-              <a:defRPr kumimoji="1" sz="1600">
-                <a:solidFill>
-                  <a:schemeClr val="tx1"/>
-                </a:solidFill>
-                <a:latin typeface="HY울릉도M" panose="02030600000101010101" pitchFamily="18" charset="-127"/>
-                <a:ea typeface="HY울릉도M" panose="02030600000101010101" pitchFamily="18" charset="-127"/>
-              </a:defRPr>
-            </a:lvl1pPr>
-            <a:lvl2pPr marL="742950" indent="-285750">
-              <a:defRPr kumimoji="1" sz="1600">
-                <a:solidFill>
-                  <a:schemeClr val="tx1"/>
-                </a:solidFill>
-                <a:latin typeface="HY울릉도M" panose="02030600000101010101" pitchFamily="18" charset="-127"/>
-                <a:ea typeface="HY울릉도M" panose="02030600000101010101" pitchFamily="18" charset="-127"/>
-              </a:defRPr>
-            </a:lvl2pPr>
-            <a:lvl3pPr marL="1143000" indent="-228600">
-              <a:defRPr kumimoji="1" sz="1600">
-                <a:solidFill>
-                  <a:schemeClr val="tx1"/>
-                </a:solidFill>
-                <a:latin typeface="HY울릉도M" panose="02030600000101010101" pitchFamily="18" charset="-127"/>
-                <a:ea typeface="HY울릉도M" panose="02030600000101010101" pitchFamily="18" charset="-127"/>
-              </a:defRPr>
-            </a:lvl3pPr>
-            <a:lvl4pPr marL="1600200" indent="-228600">
-              <a:defRPr kumimoji="1" sz="1600">
-                <a:solidFill>
-                  <a:schemeClr val="tx1"/>
-                </a:solidFill>
-                <a:latin typeface="HY울릉도M" panose="02030600000101010101" pitchFamily="18" charset="-127"/>
-                <a:ea typeface="HY울릉도M" panose="02030600000101010101" pitchFamily="18" charset="-127"/>
-              </a:defRPr>
-            </a:lvl4pPr>
-            <a:lvl5pPr marL="2057400" indent="-228600">
-              <a:defRPr kumimoji="1" sz="1600">
-                <a:solidFill>
-                  <a:schemeClr val="tx1"/>
-                </a:solidFill>
-                <a:latin typeface="HY울릉도M" panose="02030600000101010101" pitchFamily="18" charset="-127"/>
-                <a:ea typeface="HY울릉도M" panose="02030600000101010101" pitchFamily="18" charset="-127"/>
-              </a:defRPr>
-            </a:lvl5pPr>
-            <a:lvl6pPr marL="2514600" indent="-228600" eaLnBrk="0" fontAlgn="base" hangingPunct="0">
-              <a:spcBef>
-                <a:spcPct val="0"/>
-              </a:spcBef>
-              <a:spcAft>
-                <a:spcPct val="0"/>
-              </a:spcAft>
-              <a:buFont typeface="Wingdings" panose="05000000000000000000" pitchFamily="2" charset="2"/>
-              <a:defRPr kumimoji="1" sz="1600">
-                <a:solidFill>
-                  <a:schemeClr val="tx1"/>
-                </a:solidFill>
-                <a:latin typeface="HY울릉도M" panose="02030600000101010101" pitchFamily="18" charset="-127"/>
-                <a:ea typeface="HY울릉도M" panose="02030600000101010101" pitchFamily="18" charset="-127"/>
-              </a:defRPr>
-            </a:lvl6pPr>
-            <a:lvl7pPr marL="2971800" indent="-228600" eaLnBrk="0" fontAlgn="base" hangingPunct="0">
-              <a:spcBef>
-                <a:spcPct val="0"/>
-              </a:spcBef>
-              <a:spcAft>
-                <a:spcPct val="0"/>
-              </a:spcAft>
-              <a:buFont typeface="Wingdings" panose="05000000000000000000" pitchFamily="2" charset="2"/>
-              <a:defRPr kumimoji="1" sz="1600">
-                <a:solidFill>
-                  <a:schemeClr val="tx1"/>
-                </a:solidFill>
-                <a:latin typeface="HY울릉도M" panose="02030600000101010101" pitchFamily="18" charset="-127"/>
-                <a:ea typeface="HY울릉도M" panose="02030600000101010101" pitchFamily="18" charset="-127"/>
-              </a:defRPr>
-            </a:lvl7pPr>
-            <a:lvl8pPr marL="3429000" indent="-228600" eaLnBrk="0" fontAlgn="base" hangingPunct="0">
-              <a:spcBef>
-                <a:spcPct val="0"/>
-              </a:spcBef>
-              <a:spcAft>
-                <a:spcPct val="0"/>
-              </a:spcAft>
-              <a:buFont typeface="Wingdings" panose="05000000000000000000" pitchFamily="2" charset="2"/>
-              <a:defRPr kumimoji="1" sz="1600">
-                <a:solidFill>
-                  <a:schemeClr val="tx1"/>
-                </a:solidFill>
-                <a:latin typeface="HY울릉도M" panose="02030600000101010101" pitchFamily="18" charset="-127"/>
-                <a:ea typeface="HY울릉도M" panose="02030600000101010101" pitchFamily="18" charset="-127"/>
-              </a:defRPr>
-            </a:lvl8pPr>
-            <a:lvl9pPr marL="3886200" indent="-228600" eaLnBrk="0" fontAlgn="base" hangingPunct="0">
-              <a:spcBef>
-                <a:spcPct val="0"/>
-              </a:spcBef>
-              <a:spcAft>
-                <a:spcPct val="0"/>
-              </a:spcAft>
-              <a:buFont typeface="Wingdings" panose="05000000000000000000" pitchFamily="2" charset="2"/>
-              <a:defRPr kumimoji="1" sz="1600">
-                <a:solidFill>
-                  <a:schemeClr val="tx1"/>
-                </a:solidFill>
-                <a:latin typeface="HY울릉도M" panose="02030600000101010101" pitchFamily="18" charset="-127"/>
-                <a:ea typeface="HY울릉도M" panose="02030600000101010101" pitchFamily="18" charset="-127"/>
-              </a:defRPr>
-            </a:lvl9pPr>
-          </a:lstStyle>
-          <a:p>
-            <a:pPr eaLnBrk="1" latinLnBrk="1" hangingPunct="1">
-              <a:spcBef>
-                <a:spcPct val="20000"/>
-              </a:spcBef>
-              <a:buClr>
-                <a:schemeClr val="accent1"/>
-              </a:buClr>
-              <a:buSzPct val="65000"/>
-              <a:buFont typeface="Wingdings" panose="05000000000000000000" pitchFamily="2" charset="2"/>
-              <a:buChar char="n"/>
-            </a:pPr>
-            <a:r>
-              <a:rPr lang="ko-KR" altLang="en-US" sz="1800">
-                <a:solidFill>
-                  <a:srgbClr val="FF6600"/>
-                </a:solidFill>
-              </a:rPr>
-              <a:t>오류</a:t>
-            </a:r>
-            <a:r>
-              <a:rPr lang="en-US" altLang="ko-KR" sz="1800">
-                <a:solidFill>
-                  <a:srgbClr val="FF6600"/>
-                </a:solidFill>
-              </a:rPr>
-              <a:t> </a:t>
-            </a:r>
-            <a:r>
-              <a:rPr lang="ko-KR" altLang="en-US" sz="1800">
-                <a:solidFill>
-                  <a:srgbClr val="FF6600"/>
-                </a:solidFill>
-              </a:rPr>
-              <a:t>메시지</a:t>
-            </a:r>
-            <a:endParaRPr lang="en-US" altLang="ko-KR" sz="1800">
-              <a:solidFill>
-                <a:srgbClr val="FF6600"/>
-              </a:solidFill>
-            </a:endParaRPr>
-          </a:p>
-        </p:txBody>
-      </p:sp>
-      <p:sp>
-        <p:nvSpPr>
-          <p:cNvPr id="32774" name="Rectangle 15"/>
-          <p:cNvSpPr>
-            <a:spLocks noChangeArrowheads="1"/>
-          </p:cNvSpPr>
-          <p:nvPr/>
-        </p:nvSpPr>
-        <p:spPr bwMode="auto">
-          <a:xfrm>
-            <a:off x="2093914" y="958851"/>
-            <a:ext cx="7519987" cy="1565275"/>
-          </a:xfrm>
-          <a:prstGeom prst="rect">
-            <a:avLst/>
-          </a:prstGeom>
-          <a:noFill/>
-          <a:ln>
-            <a:noFill/>
-          </a:ln>
-          <a:extLst>
-            <a:ext uri="{909E8E84-426E-40DD-AFC4-6F175D3DCCD1}">
-              <a14:hiddenFill xmlns:a14="http://schemas.microsoft.com/office/drawing/2010/main">
-                <a:solidFill>
-                  <a:srgbClr val="FFFFFF"/>
-                </a:solidFill>
-              </a14:hiddenFill>
-            </a:ext>
-            <a:ext uri="{91240B29-F687-4F45-9708-019B960494DF}">
-              <a14:hiddenLine xmlns:a14="http://schemas.microsoft.com/office/drawing/2010/main" w="9525">
-                <a:solidFill>
-                  <a:srgbClr val="000000"/>
-                </a:solidFill>
-                <a:miter lim="800000"/>
-                <a:headEnd/>
-                <a:tailEnd/>
-              </a14:hiddenLine>
-            </a:ext>
-          </a:extLst>
-        </p:spPr>
-        <p:txBody>
-          <a:bodyPr/>
-          <a:lstStyle>
-            <a:lvl1pPr marL="342900" indent="-342900">
-              <a:defRPr kumimoji="1" sz="1600">
-                <a:solidFill>
-                  <a:schemeClr val="tx1"/>
-                </a:solidFill>
-                <a:latin typeface="HY울릉도M" panose="02030600000101010101" pitchFamily="18" charset="-127"/>
-                <a:ea typeface="HY울릉도M" panose="02030600000101010101" pitchFamily="18" charset="-127"/>
-              </a:defRPr>
-            </a:lvl1pPr>
-            <a:lvl2pPr marL="669925" indent="-325438">
-              <a:defRPr kumimoji="1" sz="1600">
-                <a:solidFill>
-                  <a:schemeClr val="tx1"/>
-                </a:solidFill>
-                <a:latin typeface="HY울릉도M" panose="02030600000101010101" pitchFamily="18" charset="-127"/>
-                <a:ea typeface="HY울릉도M" panose="02030600000101010101" pitchFamily="18" charset="-127"/>
-              </a:defRPr>
-            </a:lvl2pPr>
-            <a:lvl3pPr marL="1143000" indent="-228600">
-              <a:defRPr kumimoji="1" sz="1600">
-                <a:solidFill>
-                  <a:schemeClr val="tx1"/>
-                </a:solidFill>
-                <a:latin typeface="HY울릉도M" panose="02030600000101010101" pitchFamily="18" charset="-127"/>
-                <a:ea typeface="HY울릉도M" panose="02030600000101010101" pitchFamily="18" charset="-127"/>
-              </a:defRPr>
-            </a:lvl3pPr>
-            <a:lvl4pPr marL="1600200" indent="-228600">
-              <a:defRPr kumimoji="1" sz="1600">
-                <a:solidFill>
-                  <a:schemeClr val="tx1"/>
-                </a:solidFill>
-                <a:latin typeface="HY울릉도M" panose="02030600000101010101" pitchFamily="18" charset="-127"/>
-                <a:ea typeface="HY울릉도M" panose="02030600000101010101" pitchFamily="18" charset="-127"/>
-              </a:defRPr>
-            </a:lvl4pPr>
-            <a:lvl5pPr marL="2057400" indent="-228600">
-              <a:defRPr kumimoji="1" sz="1600">
-                <a:solidFill>
-                  <a:schemeClr val="tx1"/>
-                </a:solidFill>
-                <a:latin typeface="HY울릉도M" panose="02030600000101010101" pitchFamily="18" charset="-127"/>
-                <a:ea typeface="HY울릉도M" panose="02030600000101010101" pitchFamily="18" charset="-127"/>
-              </a:defRPr>
-            </a:lvl5pPr>
-            <a:lvl6pPr marL="2514600" indent="-228600" eaLnBrk="0" fontAlgn="base" hangingPunct="0">
-              <a:spcBef>
-                <a:spcPct val="0"/>
-              </a:spcBef>
-              <a:spcAft>
-                <a:spcPct val="0"/>
-              </a:spcAft>
-              <a:buFont typeface="Wingdings" panose="05000000000000000000" pitchFamily="2" charset="2"/>
-              <a:defRPr kumimoji="1" sz="1600">
-                <a:solidFill>
-                  <a:schemeClr val="tx1"/>
-                </a:solidFill>
-                <a:latin typeface="HY울릉도M" panose="02030600000101010101" pitchFamily="18" charset="-127"/>
-                <a:ea typeface="HY울릉도M" panose="02030600000101010101" pitchFamily="18" charset="-127"/>
-              </a:defRPr>
-            </a:lvl6pPr>
-            <a:lvl7pPr marL="2971800" indent="-228600" eaLnBrk="0" fontAlgn="base" hangingPunct="0">
-              <a:spcBef>
-                <a:spcPct val="0"/>
-              </a:spcBef>
-              <a:spcAft>
-                <a:spcPct val="0"/>
-              </a:spcAft>
-              <a:buFont typeface="Wingdings" panose="05000000000000000000" pitchFamily="2" charset="2"/>
-              <a:defRPr kumimoji="1" sz="1600">
-                <a:solidFill>
-                  <a:schemeClr val="tx1"/>
-                </a:solidFill>
-                <a:latin typeface="HY울릉도M" panose="02030600000101010101" pitchFamily="18" charset="-127"/>
-                <a:ea typeface="HY울릉도M" panose="02030600000101010101" pitchFamily="18" charset="-127"/>
-              </a:defRPr>
-            </a:lvl7pPr>
-            <a:lvl8pPr marL="3429000" indent="-228600" eaLnBrk="0" fontAlgn="base" hangingPunct="0">
-              <a:spcBef>
-                <a:spcPct val="0"/>
-              </a:spcBef>
-              <a:spcAft>
-                <a:spcPct val="0"/>
-              </a:spcAft>
-              <a:buFont typeface="Wingdings" panose="05000000000000000000" pitchFamily="2" charset="2"/>
-              <a:defRPr kumimoji="1" sz="1600">
-                <a:solidFill>
-                  <a:schemeClr val="tx1"/>
-                </a:solidFill>
-                <a:latin typeface="HY울릉도M" panose="02030600000101010101" pitchFamily="18" charset="-127"/>
-                <a:ea typeface="HY울릉도M" panose="02030600000101010101" pitchFamily="18" charset="-127"/>
-              </a:defRPr>
-            </a:lvl8pPr>
-            <a:lvl9pPr marL="3886200" indent="-228600" eaLnBrk="0" fontAlgn="base" hangingPunct="0">
-              <a:spcBef>
-                <a:spcPct val="0"/>
-              </a:spcBef>
-              <a:spcAft>
-                <a:spcPct val="0"/>
-              </a:spcAft>
-              <a:buFont typeface="Wingdings" panose="05000000000000000000" pitchFamily="2" charset="2"/>
-              <a:defRPr kumimoji="1" sz="1600">
-                <a:solidFill>
-                  <a:schemeClr val="tx1"/>
-                </a:solidFill>
-                <a:latin typeface="HY울릉도M" panose="02030600000101010101" pitchFamily="18" charset="-127"/>
-                <a:ea typeface="HY울릉도M" panose="02030600000101010101" pitchFamily="18" charset="-127"/>
-              </a:defRPr>
-            </a:lvl9pPr>
-          </a:lstStyle>
-          <a:p>
-            <a:pPr eaLnBrk="1" latinLnBrk="1" hangingPunct="1">
-              <a:lnSpc>
-                <a:spcPct val="80000"/>
-              </a:lnSpc>
-              <a:spcBef>
-                <a:spcPct val="20000"/>
-              </a:spcBef>
-              <a:buClr>
-                <a:schemeClr val="accent1"/>
-              </a:buClr>
-              <a:buSzPct val="65000"/>
-              <a:buFont typeface="Wingdings" panose="05000000000000000000" pitchFamily="2" charset="2"/>
-              <a:buChar char="n"/>
-            </a:pPr>
-            <a:r>
-              <a:rPr lang="ko-KR" altLang="en-US" sz="1800">
-                <a:solidFill>
-                  <a:srgbClr val="FF6600"/>
-                </a:solidFill>
-              </a:rPr>
-              <a:t>예외의</a:t>
-            </a:r>
-            <a:r>
-              <a:rPr lang="en-US" altLang="ko-KR" sz="1800">
-                <a:solidFill>
-                  <a:srgbClr val="FF6600"/>
-                </a:solidFill>
-              </a:rPr>
-              <a:t> </a:t>
-            </a:r>
-            <a:r>
-              <a:rPr lang="ko-KR" altLang="en-US" sz="1800">
-                <a:solidFill>
-                  <a:srgbClr val="FF6600"/>
-                </a:solidFill>
-              </a:rPr>
-              <a:t>처리가</a:t>
-            </a:r>
-            <a:r>
-              <a:rPr lang="en-US" altLang="ko-KR" sz="1800">
-                <a:solidFill>
-                  <a:srgbClr val="FF6600"/>
-                </a:solidFill>
-              </a:rPr>
-              <a:t> </a:t>
-            </a:r>
-            <a:r>
-              <a:rPr lang="ko-KR" altLang="en-US" sz="1800">
-                <a:solidFill>
-                  <a:srgbClr val="FF6600"/>
-                </a:solidFill>
-              </a:rPr>
-              <a:t>정의되지</a:t>
-            </a:r>
-            <a:r>
-              <a:rPr lang="en-US" altLang="ko-KR" sz="1800">
-                <a:solidFill>
-                  <a:srgbClr val="FF6600"/>
-                </a:solidFill>
-              </a:rPr>
-              <a:t> </a:t>
-            </a:r>
-            <a:r>
-              <a:rPr lang="ko-KR" altLang="en-US" sz="1800">
-                <a:solidFill>
-                  <a:srgbClr val="FF6600"/>
-                </a:solidFill>
-              </a:rPr>
-              <a:t>않으면</a:t>
-            </a:r>
-            <a:endParaRPr lang="en-US" altLang="ko-KR" sz="1800">
-              <a:solidFill>
-                <a:srgbClr val="FF6600"/>
-              </a:solidFill>
-            </a:endParaRPr>
-          </a:p>
-          <a:p>
-            <a:pPr lvl="1" eaLnBrk="1" latinLnBrk="1" hangingPunct="1">
-              <a:lnSpc>
-                <a:spcPct val="80000"/>
-              </a:lnSpc>
-              <a:spcBef>
-                <a:spcPct val="20000"/>
-              </a:spcBef>
-              <a:buClr>
-                <a:srgbClr val="3B812F"/>
-              </a:buClr>
-              <a:buSzPct val="60000"/>
-              <a:buFont typeface="Wingdings" panose="05000000000000000000" pitchFamily="2" charset="2"/>
-              <a:buChar char="q"/>
-            </a:pPr>
-            <a:r>
-              <a:rPr lang="ko-KR" altLang="en-US" sz="1800">
-                <a:solidFill>
-                  <a:srgbClr val="339933"/>
-                </a:solidFill>
-              </a:rPr>
-              <a:t>예외가</a:t>
-            </a:r>
-            <a:r>
-              <a:rPr lang="en-US" altLang="ko-KR" sz="1800">
-                <a:solidFill>
-                  <a:srgbClr val="339933"/>
-                </a:solidFill>
-              </a:rPr>
-              <a:t> </a:t>
-            </a:r>
-            <a:r>
-              <a:rPr lang="ko-KR" altLang="en-US" sz="1800">
-                <a:solidFill>
-                  <a:srgbClr val="339933"/>
-                </a:solidFill>
-              </a:rPr>
-              <a:t>발생된</a:t>
-            </a:r>
-            <a:r>
-              <a:rPr lang="en-US" altLang="ko-KR" sz="1800">
-                <a:solidFill>
-                  <a:srgbClr val="339933"/>
-                </a:solidFill>
-              </a:rPr>
-              <a:t> </a:t>
-            </a:r>
-            <a:r>
-              <a:rPr lang="ko-KR" altLang="en-US" sz="1800">
-                <a:solidFill>
-                  <a:srgbClr val="339933"/>
-                </a:solidFill>
-              </a:rPr>
-              <a:t>메소드를</a:t>
-            </a:r>
-            <a:r>
-              <a:rPr lang="en-US" altLang="ko-KR" sz="1800">
-                <a:solidFill>
-                  <a:srgbClr val="339933"/>
-                </a:solidFill>
-              </a:rPr>
-              <a:t> </a:t>
-            </a:r>
-            <a:r>
-              <a:rPr lang="ko-KR" altLang="en-US" sz="1800">
-                <a:solidFill>
-                  <a:srgbClr val="0066FF"/>
-                </a:solidFill>
-              </a:rPr>
-              <a:t>호출한</a:t>
-            </a:r>
-            <a:r>
-              <a:rPr lang="en-US" altLang="ko-KR" sz="1800">
-                <a:solidFill>
-                  <a:srgbClr val="0066FF"/>
-                </a:solidFill>
-              </a:rPr>
-              <a:t> </a:t>
-            </a:r>
-            <a:r>
-              <a:rPr lang="ko-KR" altLang="en-US" sz="1800">
-                <a:solidFill>
-                  <a:srgbClr val="0066FF"/>
-                </a:solidFill>
-              </a:rPr>
-              <a:t>메소드로</a:t>
-            </a:r>
-            <a:r>
-              <a:rPr lang="en-US" altLang="ko-KR" sz="1800">
-                <a:solidFill>
-                  <a:srgbClr val="339933"/>
-                </a:solidFill>
-              </a:rPr>
-              <a:t> </a:t>
-            </a:r>
-            <a:r>
-              <a:rPr lang="ko-KR" altLang="en-US" sz="1800">
-                <a:solidFill>
-                  <a:srgbClr val="339933"/>
-                </a:solidFill>
-              </a:rPr>
-              <a:t>전파됨</a:t>
-            </a:r>
-            <a:endParaRPr lang="en-US" altLang="ko-KR" sz="1800">
-              <a:solidFill>
-                <a:srgbClr val="339933"/>
-              </a:solidFill>
-            </a:endParaRPr>
-          </a:p>
-          <a:p>
-            <a:pPr lvl="1" eaLnBrk="1" latinLnBrk="1" hangingPunct="1">
-              <a:lnSpc>
-                <a:spcPct val="80000"/>
-              </a:lnSpc>
-              <a:spcBef>
-                <a:spcPct val="20000"/>
-              </a:spcBef>
-              <a:buClr>
-                <a:srgbClr val="3B812F"/>
-              </a:buClr>
-              <a:buSzPct val="60000"/>
-              <a:buFont typeface="Wingdings" panose="05000000000000000000" pitchFamily="2" charset="2"/>
-              <a:buChar char="q"/>
-            </a:pPr>
-            <a:endParaRPr lang="en-US" altLang="ko-KR" sz="1800">
-              <a:solidFill>
-                <a:srgbClr val="339933"/>
-              </a:solidFill>
-            </a:endParaRPr>
-          </a:p>
-          <a:p>
-            <a:pPr eaLnBrk="1" latinLnBrk="1" hangingPunct="1">
-              <a:lnSpc>
-                <a:spcPct val="80000"/>
-              </a:lnSpc>
-              <a:spcBef>
-                <a:spcPct val="20000"/>
-              </a:spcBef>
-              <a:buClr>
-                <a:schemeClr val="accent1"/>
-              </a:buClr>
-              <a:buSzPct val="65000"/>
-              <a:buFont typeface="Wingdings" panose="05000000000000000000" pitchFamily="2" charset="2"/>
-              <a:buChar char="n"/>
-            </a:pPr>
-            <a:r>
-              <a:rPr lang="ko-KR" altLang="en-US" sz="1800">
-                <a:solidFill>
-                  <a:srgbClr val="FF6600"/>
-                </a:solidFill>
-              </a:rPr>
-              <a:t>프로그램</a:t>
-            </a:r>
-            <a:r>
-              <a:rPr lang="en-US" altLang="ko-KR" sz="1800">
-                <a:solidFill>
-                  <a:srgbClr val="FF6600"/>
-                </a:solidFill>
-              </a:rPr>
-              <a:t> </a:t>
-            </a:r>
-            <a:r>
-              <a:rPr lang="en-US" altLang="ko-KR" sz="1800">
-                <a:solidFill>
-                  <a:srgbClr val="FF6600"/>
-                </a:solidFill>
-                <a:latin typeface="굴림" panose="020B0600000101010101" pitchFamily="50" charset="-127"/>
-              </a:rPr>
-              <a:t>–</a:t>
-            </a:r>
-            <a:r>
-              <a:rPr lang="en-US" altLang="ko-KR" sz="1800">
-                <a:solidFill>
-                  <a:srgbClr val="FF6600"/>
-                </a:solidFill>
-              </a:rPr>
-              <a:t> </a:t>
-            </a:r>
-            <a:r>
-              <a:rPr lang="ko-KR" altLang="en-US" sz="1800">
-                <a:solidFill>
-                  <a:srgbClr val="FF6600"/>
-                </a:solidFill>
-              </a:rPr>
-              <a:t>예외의</a:t>
-            </a:r>
-            <a:r>
-              <a:rPr lang="en-US" altLang="ko-KR" sz="1800">
-                <a:solidFill>
-                  <a:srgbClr val="FF6600"/>
-                </a:solidFill>
-              </a:rPr>
-              <a:t> </a:t>
-            </a:r>
-            <a:r>
-              <a:rPr lang="ko-KR" altLang="en-US" sz="1800">
-                <a:solidFill>
-                  <a:srgbClr val="FF6600"/>
-                </a:solidFill>
-              </a:rPr>
-              <a:t>전파</a:t>
-            </a:r>
-            <a:endParaRPr lang="en-US" altLang="ko-KR" sz="1800">
-              <a:solidFill>
-                <a:srgbClr val="FF6600"/>
-              </a:solidFill>
-            </a:endParaRPr>
-          </a:p>
-        </p:txBody>
-      </p:sp>
-      <p:pic>
-        <p:nvPicPr>
-          <p:cNvPr id="32775" name="Picture 10"/>
-          <p:cNvPicPr>
-            <a:picLocks noChangeAspect="1" noChangeArrowheads="1"/>
-          </p:cNvPicPr>
-          <p:nvPr/>
-        </p:nvPicPr>
-        <p:blipFill>
-          <a:blip r:embed="rId3">
-            <a:extLst>
-              <a:ext uri="{28A0092B-C50C-407E-A947-70E740481C1C}">
-                <a14:useLocalDpi xmlns:a14="http://schemas.microsoft.com/office/drawing/2010/main" val="0"/>
-              </a:ext>
-            </a:extLst>
-          </a:blip>
-          <a:srcRect/>
-          <a:stretch>
-            <a:fillRect/>
-          </a:stretch>
-        </p:blipFill>
-        <p:spPr bwMode="auto">
-          <a:xfrm>
-            <a:off x="2279651" y="5157789"/>
-            <a:ext cx="7553325" cy="1584325"/>
-          </a:xfrm>
-          <a:prstGeom prst="rect">
-            <a:avLst/>
-          </a:prstGeom>
-          <a:noFill/>
-          <a:ln>
-            <a:noFill/>
-          </a:ln>
-          <a:extLst>
-            <a:ext uri="{909E8E84-426E-40DD-AFC4-6F175D3DCCD1}">
-              <a14:hiddenFill xmlns:a14="http://schemas.microsoft.com/office/drawing/2010/main">
-                <a:solidFill>
-                  <a:srgbClr val="FFFFFF"/>
-                </a:solidFill>
-              </a14:hiddenFill>
-            </a:ext>
-            <a:ext uri="{91240B29-F687-4F45-9708-019B960494DF}">
-              <a14:hiddenLine xmlns:a14="http://schemas.microsoft.com/office/drawing/2010/main" w="9525">
-                <a:solidFill>
-                  <a:srgbClr val="000000"/>
-                </a:solidFill>
-                <a:miter lim="800000"/>
-                <a:headEnd/>
-                <a:tailEnd/>
-              </a14:hiddenLine>
-            </a:ext>
-          </a:extLst>
         </p:spPr>
       </p:pic>
     </p:spTree>
     <p:extLst>
       <p:ext uri="{BB962C8B-B14F-4D97-AF65-F5344CB8AC3E}">
-        <p14:creationId xmlns:p14="http://schemas.microsoft.com/office/powerpoint/2010/main" val="2689657317"/>
+        <p14:creationId xmlns:p14="http://schemas.microsoft.com/office/powerpoint/2010/main" val="1482768620"/>
       </p:ext>
     </p:extLst>
   </p:cSld>
